--- a/slides/2015-tokyo/code-tutorials.pptx
+++ b/slides/2015-tokyo/code-tutorials.pptx
@@ -272,7 +272,7 @@
             <a:fld id="{37F1FB43-DA73-4E21-A0CA-90CBB28AEE7B}" type="datetimeFigureOut">
               <a:rPr lang="en-US" smtClean="0"/>
               <a:pPr/>
-              <a:t>6/30/2015</a:t>
+              <a:t>23/10/15</a:t>
             </a:fld>
             <a:endParaRPr lang="en-US"/>
           </a:p>
@@ -928,7 +928,7 @@
             <a:fld id="{9C05D96A-5A56-F843-B5A6-AB19E25093DC}" type="datetimeFigureOut">
               <a:rPr lang="it-IT"/>
               <a:pPr/>
-              <a:t>30/06/2015</a:t>
+              <a:t>23/10/15</a:t>
             </a:fld>
             <a:endParaRPr lang="en-GB"/>
           </a:p>
@@ -1095,7 +1095,7 @@
             <a:fld id="{9C05D96A-5A56-F843-B5A6-AB19E25093DC}" type="datetimeFigureOut">
               <a:rPr lang="it-IT"/>
               <a:pPr/>
-              <a:t>30/06/2015</a:t>
+              <a:t>23/10/15</a:t>
             </a:fld>
             <a:endParaRPr lang="en-GB"/>
           </a:p>
@@ -1272,7 +1272,7 @@
             <a:fld id="{9C05D96A-5A56-F843-B5A6-AB19E25093DC}" type="datetimeFigureOut">
               <a:rPr lang="it-IT"/>
               <a:pPr/>
-              <a:t>30/06/2015</a:t>
+              <a:t>23/10/15</a:t>
             </a:fld>
             <a:endParaRPr lang="en-GB"/>
           </a:p>
@@ -1509,7 +1509,7 @@
             <a:fld id="{9C05D96A-5A56-F843-B5A6-AB19E25093DC}" type="datetimeFigureOut">
               <a:rPr lang="it-IT"/>
               <a:pPr/>
-              <a:t>30/06/2015</a:t>
+              <a:t>23/10/15</a:t>
             </a:fld>
             <a:endParaRPr lang="en-GB"/>
           </a:p>
@@ -1676,7 +1676,7 @@
             <a:fld id="{9C05D96A-5A56-F843-B5A6-AB19E25093DC}" type="datetimeFigureOut">
               <a:rPr lang="it-IT"/>
               <a:pPr/>
-              <a:t>30/06/2015</a:t>
+              <a:t>23/10/15</a:t>
             </a:fld>
             <a:endParaRPr lang="en-GB"/>
           </a:p>
@@ -1919,7 +1919,7 @@
             <a:fld id="{9C05D96A-5A56-F843-B5A6-AB19E25093DC}" type="datetimeFigureOut">
               <a:rPr lang="it-IT"/>
               <a:pPr/>
-              <a:t>30/06/2015</a:t>
+              <a:t>23/10/15</a:t>
             </a:fld>
             <a:endParaRPr lang="en-GB"/>
           </a:p>
@@ -2204,7 +2204,7 @@
             <a:fld id="{9C05D96A-5A56-F843-B5A6-AB19E25093DC}" type="datetimeFigureOut">
               <a:rPr lang="it-IT"/>
               <a:pPr/>
-              <a:t>30/06/2015</a:t>
+              <a:t>23/10/15</a:t>
             </a:fld>
             <a:endParaRPr lang="en-GB"/>
           </a:p>
@@ -2623,7 +2623,7 @@
             <a:fld id="{9C05D96A-5A56-F843-B5A6-AB19E25093DC}" type="datetimeFigureOut">
               <a:rPr lang="it-IT"/>
               <a:pPr/>
-              <a:t>30/06/2015</a:t>
+              <a:t>23/10/15</a:t>
             </a:fld>
             <a:endParaRPr lang="en-GB"/>
           </a:p>
@@ -2738,7 +2738,7 @@
             <a:fld id="{9C05D96A-5A56-F843-B5A6-AB19E25093DC}" type="datetimeFigureOut">
               <a:rPr lang="it-IT"/>
               <a:pPr/>
-              <a:t>30/06/2015</a:t>
+              <a:t>23/10/15</a:t>
             </a:fld>
             <a:endParaRPr lang="en-GB"/>
           </a:p>
@@ -2830,7 +2830,7 @@
             <a:fld id="{9C05D96A-5A56-F843-B5A6-AB19E25093DC}" type="datetimeFigureOut">
               <a:rPr lang="it-IT"/>
               <a:pPr/>
-              <a:t>30/06/2015</a:t>
+              <a:t>23/10/15</a:t>
             </a:fld>
             <a:endParaRPr lang="en-GB"/>
           </a:p>
@@ -3104,7 +3104,7 @@
             <a:fld id="{9C05D96A-5A56-F843-B5A6-AB19E25093DC}" type="datetimeFigureOut">
               <a:rPr lang="it-IT"/>
               <a:pPr/>
-              <a:t>30/06/2015</a:t>
+              <a:t>23/10/15</a:t>
             </a:fld>
             <a:endParaRPr lang="en-GB"/>
           </a:p>
@@ -3591,24 +3591,12 @@
           </p:cNvPicPr>
           <p:nvPr userDrawn="1"/>
         </p:nvPicPr>
-        <mc:AlternateContent xmlns:mc="http://schemas.openxmlformats.org/markup-compatibility/2006">
-          <mc:Choice xmlns:ma="http://schemas.microsoft.com/office/mac/drawingml/2008/main" xmlns:mv="urn:schemas-microsoft-com:mac:vml" xmlns="" Requires="ma">
-            <p:blipFill>
-              <a:blip r:embed="rId13"/>
-              <a:stretch>
-                <a:fillRect/>
-              </a:stretch>
-            </p:blipFill>
-          </mc:Choice>
-          <mc:Fallback>
-            <p:blipFill>
-              <a:blip r:embed="rId14"/>
-              <a:stretch>
-                <a:fillRect/>
-              </a:stretch>
-            </p:blipFill>
-          </mc:Fallback>
-        </mc:AlternateContent>
+        <p:blipFill>
+          <a:blip r:embed="rId13"/>
+          <a:stretch>
+            <a:fillRect/>
+          </a:stretch>
+        </p:blipFill>
         <p:spPr>
           <a:xfrm>
             <a:off x="180000" y="180000"/>
@@ -3697,7 +3685,7 @@
             <a:fld id="{9C05D96A-5A56-F843-B5A6-AB19E25093DC}" type="datetimeFigureOut">
               <a:rPr lang="en-GB"/>
               <a:pPr/>
-              <a:t>30/06/2015</a:t>
+              <a:t>23/10/15</a:t>
             </a:fld>
             <a:endParaRPr lang="en-GB"/>
           </a:p>
@@ -4188,7 +4176,7 @@
   <p:timing>
     <p:tnLst>
       <p:par>
-        <p:cTn id="1" dur="indefinite" restart="never" nodeType="tmRoot"/>
+        <p:cTn xmlns:p14="http://schemas.microsoft.com/office/powerpoint/2010/main" id="1" dur="indefinite" restart="never" nodeType="tmRoot"/>
       </p:par>
     </p:tnLst>
   </p:timing>
@@ -4272,11 +4260,7 @@
             </a:r>
             <a:r>
               <a:rPr lang="en-US" dirty="0" smtClean="0"/>
-              <a:t> </a:t>
-            </a:r>
-            <a:r>
-              <a:rPr lang="en-US" dirty="0" smtClean="0"/>
-              <a:t>–name /view</a:t>
+              <a:t> –name /view</a:t>
             </a:r>
           </a:p>
           <a:p>
@@ -4427,14 +4411,14 @@
             <a:noFill/>
           </a:ln>
           <a:extLst>
-            <a:ext uri="{909E8E84-426E-40DD-AFC4-6F175D3DCCD1}">
+            <a:ext uri="{909E8E84-426E-40dd-AFC4-6F175D3DCCD1}">
               <a14:hiddenFill xmlns:a14="http://schemas.microsoft.com/office/drawing/2010/main">
                 <a:solidFill>
                   <a:schemeClr val="accent1"/>
                 </a:solidFill>
               </a14:hiddenFill>
             </a:ext>
-            <a:ext uri="{91240B29-F687-4F45-9708-019B960494DF}">
+            <a:ext uri="{91240B29-F687-4f45-9708-019B960494DF}">
               <a14:hiddenLine xmlns:a14="http://schemas.microsoft.com/office/drawing/2010/main" w="9525">
                 <a:solidFill>
                   <a:schemeClr val="tx1"/>
@@ -4584,7 +4568,7 @@
   <p:timing>
     <p:tnLst>
       <p:par>
-        <p:cTn id="1" dur="indefinite" restart="never" nodeType="tmRoot"/>
+        <p:cTn xmlns:p14="http://schemas.microsoft.com/office/powerpoint/2010/main" id="1" dur="indefinite" restart="never" nodeType="tmRoot"/>
       </p:par>
     </p:tnLst>
   </p:timing>
@@ -4908,14 +4892,14 @@
           </a:ln>
           <a:effectLst/>
           <a:extLst>
-            <a:ext uri="{909E8E84-426E-40DD-AFC4-6F175D3DCCD1}">
+            <a:ext uri="{909E8E84-426E-40dd-AFC4-6F175D3DCCD1}">
               <a14:hiddenFill xmlns:a14="http://schemas.microsoft.com/office/drawing/2010/main">
                 <a:solidFill>
                   <a:schemeClr val="accent1"/>
                 </a:solidFill>
               </a14:hiddenFill>
             </a:ext>
-            <a:ext uri="{91240B29-F687-4F45-9708-019B960494DF}">
+            <a:ext uri="{91240B29-F687-4f45-9708-019B960494DF}">
               <a14:hiddenLine xmlns:a14="http://schemas.microsoft.com/office/drawing/2010/main" w="9525">
                 <a:solidFill>
                   <a:schemeClr val="tx1"/>
@@ -4925,7 +4909,7 @@
                 <a:tailEnd/>
               </a14:hiddenLine>
             </a:ext>
-            <a:ext uri="{AF507438-7753-43E0-B8FC-AC1667EBCBE1}">
+            <a:ext uri="{AF507438-7753-43e0-B8FC-AC1667EBCBE1}">
               <a14:hiddenEffects xmlns:a14="http://schemas.microsoft.com/office/drawing/2010/main">
                 <a:effectLst>
                   <a:outerShdw dist="35921" dir="2700000" algn="ctr" rotWithShape="0">
@@ -4950,7 +4934,7 @@
   <p:timing>
     <p:tnLst>
       <p:par>
-        <p:cTn id="1" dur="indefinite" restart="never" nodeType="tmRoot"/>
+        <p:cTn xmlns:p14="http://schemas.microsoft.com/office/powerpoint/2010/main" id="1" dur="indefinite" restart="never" nodeType="tmRoot"/>
       </p:par>
     </p:tnLst>
   </p:timing>
@@ -5009,14 +4993,14 @@
           </a:ln>
           <a:effectLst/>
           <a:extLst>
-            <a:ext uri="{909E8E84-426E-40DD-AFC4-6F175D3DCCD1}">
+            <a:ext uri="{909E8E84-426E-40dd-AFC4-6F175D3DCCD1}">
               <a14:hiddenFill xmlns:a14="http://schemas.microsoft.com/office/drawing/2010/main">
                 <a:solidFill>
                   <a:schemeClr val="accent1"/>
                 </a:solidFill>
               </a14:hiddenFill>
             </a:ext>
-            <a:ext uri="{91240B29-F687-4F45-9708-019B960494DF}">
+            <a:ext uri="{91240B29-F687-4f45-9708-019B960494DF}">
               <a14:hiddenLine xmlns:a14="http://schemas.microsoft.com/office/drawing/2010/main" w="9525">
                 <a:solidFill>
                   <a:schemeClr val="tx1"/>
@@ -5026,7 +5010,7 @@
                 <a:tailEnd/>
               </a14:hiddenLine>
             </a:ext>
-            <a:ext uri="{AF507438-7753-43E0-B8FC-AC1667EBCBE1}">
+            <a:ext uri="{AF507438-7753-43e0-B8FC-AC1667EBCBE1}">
               <a14:hiddenEffects xmlns:a14="http://schemas.microsoft.com/office/drawing/2010/main">
                 <a:effectLst>
                   <a:outerShdw dist="35921" dir="2700000" algn="ctr" rotWithShape="0">
@@ -5051,7 +5035,7 @@
   <p:timing>
     <p:tnLst>
       <p:par>
-        <p:cTn id="1" dur="indefinite" restart="never" nodeType="tmRoot"/>
+        <p:cTn xmlns:p14="http://schemas.microsoft.com/office/powerpoint/2010/main" id="1" dur="indefinite" restart="never" nodeType="tmRoot"/>
       </p:par>
     </p:tnLst>
   </p:timing>
@@ -5151,7 +5135,7 @@
   <p:timing>
     <p:tnLst>
       <p:par>
-        <p:cTn id="1" dur="indefinite" restart="never" nodeType="tmRoot"/>
+        <p:cTn xmlns:p14="http://schemas.microsoft.com/office/powerpoint/2010/main" id="1" dur="indefinite" restart="never" nodeType="tmRoot"/>
       </p:par>
     </p:tnLst>
   </p:timing>
@@ -5532,7 +5516,7 @@
   <p:timing>
     <p:tnLst>
       <p:par>
-        <p:cTn id="1" dur="indefinite" restart="never" nodeType="tmRoot"/>
+        <p:cTn xmlns:p14="http://schemas.microsoft.com/office/powerpoint/2010/main" id="1" dur="indefinite" restart="never" nodeType="tmRoot"/>
       </p:par>
     </p:tnLst>
   </p:timing>
@@ -6206,7 +6190,7 @@
   <p:timing>
     <p:tnLst>
       <p:par>
-        <p:cTn id="1" dur="indefinite" restart="never" nodeType="tmRoot"/>
+        <p:cTn xmlns:p14="http://schemas.microsoft.com/office/powerpoint/2010/main" id="1" dur="indefinite" restart="never" nodeType="tmRoot"/>
       </p:par>
     </p:tnLst>
   </p:timing>
@@ -6584,7 +6568,7 @@
   <p:timing>
     <p:tnLst>
       <p:par>
-        <p:cTn id="1" dur="indefinite" restart="never" nodeType="tmRoot"/>
+        <p:cTn xmlns:p14="http://schemas.microsoft.com/office/powerpoint/2010/main" id="1" dur="indefinite" restart="never" nodeType="tmRoot"/>
       </p:par>
     </p:tnLst>
   </p:timing>
@@ -6961,7 +6945,7 @@
   <p:timing>
     <p:tnLst>
       <p:par>
-        <p:cTn id="1" dur="indefinite" restart="never" nodeType="tmRoot"/>
+        <p:cTn xmlns:p14="http://schemas.microsoft.com/office/powerpoint/2010/main" id="1" dur="indefinite" restart="never" nodeType="tmRoot"/>
       </p:par>
     </p:tnLst>
   </p:timing>
@@ -7180,7 +7164,7 @@
   <p:timing>
     <p:tnLst>
       <p:par>
-        <p:cTn id="1" dur="indefinite" restart="never" nodeType="tmRoot"/>
+        <p:cTn xmlns:p14="http://schemas.microsoft.com/office/powerpoint/2010/main" id="1" dur="indefinite" restart="never" nodeType="tmRoot"/>
       </p:par>
     </p:tnLst>
   </p:timing>
@@ -7339,7 +7323,7 @@
   <p:timing>
     <p:tnLst>
       <p:par>
-        <p:cTn id="1" dur="indefinite" restart="never" nodeType="tmRoot"/>
+        <p:cTn xmlns:p14="http://schemas.microsoft.com/office/powerpoint/2010/main" id="1" dur="indefinite" restart="never" nodeType="tmRoot"/>
       </p:par>
     </p:tnLst>
   </p:timing>
@@ -7400,7 +7384,7 @@
   <p:timing>
     <p:tnLst>
       <p:par>
-        <p:cTn id="1" dur="indefinite" restart="never" nodeType="tmRoot"/>
+        <p:cTn xmlns:p14="http://schemas.microsoft.com/office/powerpoint/2010/main" id="1" dur="indefinite" restart="never" nodeType="tmRoot"/>
       </p:par>
     </p:tnLst>
   </p:timing>
@@ -7510,7 +7494,7 @@
             <a:tailEnd/>
           </a:ln>
           <a:extLst>
-            <a:ext uri="{909E8E84-426E-40DD-AFC4-6F175D3DCCD1}">
+            <a:ext uri="{909E8E84-426E-40dd-AFC4-6F175D3DCCD1}">
               <a14:hiddenFill xmlns:a14="http://schemas.microsoft.com/office/drawing/2010/main">
                 <a:solidFill>
                   <a:srgbClr val="FFFFFF"/>
@@ -7708,7 +7692,7 @@
             <a:tailEnd/>
           </a:ln>
           <a:extLst>
-            <a:ext uri="{909E8E84-426E-40DD-AFC4-6F175D3DCCD1}">
+            <a:ext uri="{909E8E84-426E-40dd-AFC4-6F175D3DCCD1}">
               <a14:hiddenFill xmlns:a14="http://schemas.microsoft.com/office/drawing/2010/main">
                 <a:solidFill>
                   <a:srgbClr val="FFFFFF"/>
@@ -7864,7 +7848,7 @@
             <a:tailEnd/>
           </a:ln>
           <a:extLst>
-            <a:ext uri="{909E8E84-426E-40DD-AFC4-6F175D3DCCD1}">
+            <a:ext uri="{909E8E84-426E-40dd-AFC4-6F175D3DCCD1}">
               <a14:hiddenFill xmlns:a14="http://schemas.microsoft.com/office/drawing/2010/main">
                 <a:solidFill>
                   <a:srgbClr val="FFFFFF"/>
@@ -8048,14 +8032,14 @@
             <a:noFill/>
           </a:ln>
           <a:extLst>
-            <a:ext uri="{909E8E84-426E-40DD-AFC4-6F175D3DCCD1}">
+            <a:ext uri="{909E8E84-426E-40dd-AFC4-6F175D3DCCD1}">
               <a14:hiddenFill xmlns:a14="http://schemas.microsoft.com/office/drawing/2010/main">
                 <a:solidFill>
                   <a:srgbClr val="FFFFFF"/>
                 </a:solidFill>
               </a14:hiddenFill>
             </a:ext>
-            <a:ext uri="{91240B29-F687-4F45-9708-019B960494DF}">
+            <a:ext uri="{91240B29-F687-4f45-9708-019B960494DF}">
               <a14:hiddenLine xmlns:a14="http://schemas.microsoft.com/office/drawing/2010/main" w="9525">
                 <a:solidFill>
                   <a:srgbClr val="000000"/>
@@ -8223,14 +8207,14 @@
             <a:noFill/>
           </a:ln>
           <a:extLst>
-            <a:ext uri="{909E8E84-426E-40DD-AFC4-6F175D3DCCD1}">
+            <a:ext uri="{909E8E84-426E-40dd-AFC4-6F175D3DCCD1}">
               <a14:hiddenFill xmlns:a14="http://schemas.microsoft.com/office/drawing/2010/main">
                 <a:solidFill>
                   <a:srgbClr val="FFFFFF"/>
                 </a:solidFill>
               </a14:hiddenFill>
             </a:ext>
-            <a:ext uri="{91240B29-F687-4F45-9708-019B960494DF}">
+            <a:ext uri="{91240B29-F687-4f45-9708-019B960494DF}">
               <a14:hiddenLine xmlns:a14="http://schemas.microsoft.com/office/drawing/2010/main" w="9525">
                 <a:solidFill>
                   <a:srgbClr val="000000"/>
@@ -8449,7 +8433,7 @@
   <p:timing>
     <p:tnLst>
       <p:par>
-        <p:cTn id="1" dur="indefinite" restart="never" nodeType="tmRoot"/>
+        <p:cTn xmlns:p14="http://schemas.microsoft.com/office/powerpoint/2010/main" id="1" dur="indefinite" restart="never" nodeType="tmRoot"/>
       </p:par>
     </p:tnLst>
   </p:timing>
@@ -8644,7 +8628,7 @@
   <p:timing>
     <p:tnLst>
       <p:par>
-        <p:cTn id="1" dur="indefinite" restart="never" nodeType="tmRoot"/>
+        <p:cTn xmlns:p14="http://schemas.microsoft.com/office/powerpoint/2010/main" id="1" dur="indefinite" restart="never" nodeType="tmRoot"/>
       </p:par>
     </p:tnLst>
   </p:timing>
@@ -8775,14 +8759,14 @@
             <a:noFill/>
           </a:ln>
           <a:extLst>
-            <a:ext uri="{909E8E84-426E-40DD-AFC4-6F175D3DCCD1}">
+            <a:ext uri="{909E8E84-426E-40dd-AFC4-6F175D3DCCD1}">
               <a14:hiddenFill xmlns:a14="http://schemas.microsoft.com/office/drawing/2010/main">
                 <a:solidFill>
                   <a:srgbClr val="FFFFFF"/>
                 </a:solidFill>
               </a14:hiddenFill>
             </a:ext>
-            <a:ext uri="{91240B29-F687-4F45-9708-019B960494DF}">
+            <a:ext uri="{91240B29-F687-4f45-9708-019B960494DF}">
               <a14:hiddenLine xmlns:a14="http://schemas.microsoft.com/office/drawing/2010/main" w="9525">
                 <a:solidFill>
                   <a:srgbClr val="000000"/>
@@ -9004,7 +8988,7 @@
   <p:timing>
     <p:tnLst>
       <p:par>
-        <p:cTn id="1" dur="indefinite" restart="never" nodeType="tmRoot"/>
+        <p:cTn xmlns:p14="http://schemas.microsoft.com/office/powerpoint/2010/main" id="1" dur="indefinite" restart="never" nodeType="tmRoot"/>
       </p:par>
     </p:tnLst>
   </p:timing>
@@ -9263,7 +9247,7 @@
   <p:timing>
     <p:tnLst>
       <p:par>
-        <p:cTn id="1" dur="indefinite" restart="never" nodeType="tmRoot"/>
+        <p:cTn xmlns:p14="http://schemas.microsoft.com/office/powerpoint/2010/main" id="1" dur="indefinite" restart="never" nodeType="tmRoot"/>
       </p:par>
     </p:tnLst>
   </p:timing>
@@ -9460,14 +9444,14 @@
             <a:noFill/>
           </a:ln>
           <a:extLst>
-            <a:ext uri="{909E8E84-426E-40DD-AFC4-6F175D3DCCD1}">
+            <a:ext uri="{909E8E84-426E-40dd-AFC4-6F175D3DCCD1}">
               <a14:hiddenFill xmlns:a14="http://schemas.microsoft.com/office/drawing/2010/main">
                 <a:solidFill>
                   <a:srgbClr val="FFFFFF"/>
                 </a:solidFill>
               </a14:hiddenFill>
             </a:ext>
-            <a:ext uri="{91240B29-F687-4F45-9708-019B960494DF}">
+            <a:ext uri="{91240B29-F687-4f45-9708-019B960494DF}">
               <a14:hiddenLine xmlns:a14="http://schemas.microsoft.com/office/drawing/2010/main" w="9525">
                 <a:solidFill>
                   <a:srgbClr val="000000"/>
@@ -9635,7 +9619,7 @@
   <p:timing>
     <p:tnLst>
       <p:par>
-        <p:cTn id="1" dur="indefinite" restart="never" nodeType="tmRoot"/>
+        <p:cTn xmlns:p14="http://schemas.microsoft.com/office/powerpoint/2010/main" id="1" dur="indefinite" restart="never" nodeType="tmRoot"/>
       </p:par>
     </p:tnLst>
   </p:timing>
@@ -9701,7 +9685,7 @@
         </p:spPr>
         <p:txBody>
           <a:bodyPr rtlCol="0">
-            <a:normAutofit fontScale="92500"/>
+            <a:normAutofit fontScale="92500" lnSpcReduction="10000"/>
           </a:bodyPr>
           <a:lstStyle/>
           <a:p>
@@ -9803,7 +9787,7 @@
   <p:timing>
     <p:tnLst>
       <p:par>
-        <p:cTn id="1" dur="indefinite" restart="never" nodeType="tmRoot"/>
+        <p:cTn xmlns:p14="http://schemas.microsoft.com/office/powerpoint/2010/main" id="1" dur="indefinite" restart="never" nodeType="tmRoot"/>
       </p:par>
     </p:tnLst>
   </p:timing>
@@ -9923,7 +9907,7 @@
   <p:timing>
     <p:tnLst>
       <p:par>
-        <p:cTn id="1" dur="indefinite" restart="never" nodeType="tmRoot"/>
+        <p:cTn xmlns:p14="http://schemas.microsoft.com/office/powerpoint/2010/main" id="1" dur="indefinite" restart="never" nodeType="tmRoot"/>
       </p:par>
     </p:tnLst>
   </p:timing>
@@ -10107,7 +10091,7 @@
   <p:timing>
     <p:tnLst>
       <p:par>
-        <p:cTn id="1" dur="indefinite" restart="never" nodeType="tmRoot"/>
+        <p:cTn xmlns:p14="http://schemas.microsoft.com/office/powerpoint/2010/main" id="1" dur="indefinite" restart="never" nodeType="tmRoot"/>
       </p:par>
     </p:tnLst>
   </p:timing>
@@ -10173,7 +10157,7 @@
         </p:spPr>
         <p:txBody>
           <a:bodyPr rtlCol="0">
-            <a:normAutofit/>
+            <a:normAutofit fontScale="92500"/>
           </a:bodyPr>
           <a:lstStyle/>
           <a:p>
@@ -10254,14 +10238,14 @@
             <a:noFill/>
           </a:ln>
           <a:extLst>
-            <a:ext uri="{909E8E84-426E-40DD-AFC4-6F175D3DCCD1}">
+            <a:ext uri="{909E8E84-426E-40dd-AFC4-6F175D3DCCD1}">
               <a14:hiddenFill xmlns:a14="http://schemas.microsoft.com/office/drawing/2010/main">
                 <a:solidFill>
                   <a:srgbClr val="FFFFFF"/>
                 </a:solidFill>
               </a14:hiddenFill>
             </a:ext>
-            <a:ext uri="{91240B29-F687-4F45-9708-019B960494DF}">
+            <a:ext uri="{91240B29-F687-4f45-9708-019B960494DF}">
               <a14:hiddenLine xmlns:a14="http://schemas.microsoft.com/office/drawing/2010/main" w="9525">
                 <a:solidFill>
                   <a:srgbClr val="000000"/>
@@ -10554,7 +10538,7 @@
   <p:timing>
     <p:tnLst>
       <p:par>
-        <p:cTn id="1" dur="indefinite" restart="never" nodeType="tmRoot"/>
+        <p:cTn xmlns:p14="http://schemas.microsoft.com/office/powerpoint/2010/main" id="1" dur="indefinite" restart="never" nodeType="tmRoot"/>
       </p:par>
     </p:tnLst>
   </p:timing>
@@ -10630,7 +10614,31 @@
               <a:rPr lang="en-US" dirty="0" smtClean="0">
                 <a:hlinkClick r:id="rId2"/>
               </a:rPr>
-              <a:t>github.com/lornat75/Teaching</a:t>
+              <a:t>github.com</a:t>
+            </a:r>
+            <a:r>
+              <a:rPr lang="en-US" dirty="0" smtClean="0">
+                <a:hlinkClick r:id="rId2"/>
+              </a:rPr>
+              <a:t>/</a:t>
+            </a:r>
+            <a:r>
+              <a:rPr lang="en-US" dirty="0" smtClean="0">
+                <a:hlinkClick r:id="rId2"/>
+              </a:rPr>
+              <a:t>iron76</a:t>
+            </a:r>
+            <a:r>
+              <a:rPr lang="en-US" dirty="0" smtClean="0">
+                <a:hlinkClick r:id="rId2"/>
+              </a:rPr>
+              <a:t>/</a:t>
+            </a:r>
+            <a:r>
+              <a:rPr lang="en-US" dirty="0" smtClean="0">
+                <a:hlinkClick r:id="rId2"/>
+              </a:rPr>
+              <a:t>Teaching</a:t>
             </a:r>
             <a:endParaRPr lang="en-US" dirty="0" smtClean="0"/>
           </a:p>
@@ -10654,7 +10662,11 @@
             </a:r>
             <a:r>
               <a:rPr lang="en-US" dirty="0"/>
-              <a:t>clone git@github.com:lornat75/</a:t>
+              <a:t>clone git@</a:t>
+            </a:r>
+            <a:r>
+              <a:rPr lang="en-US" dirty="0" smtClean="0"/>
+              <a:t>github.com:iron76/</a:t>
             </a:r>
             <a:r>
               <a:rPr lang="en-US" dirty="0" err="1"/>
@@ -10677,7 +10689,7 @@
   <p:timing>
     <p:tnLst>
       <p:par>
-        <p:cTn id="1" dur="indefinite" restart="never" nodeType="tmRoot"/>
+        <p:cTn xmlns:p14="http://schemas.microsoft.com/office/powerpoint/2010/main" id="1" dur="indefinite" restart="never" nodeType="tmRoot"/>
       </p:par>
     </p:tnLst>
   </p:timing>
@@ -10801,7 +10813,7 @@
   <p:timing>
     <p:tnLst>
       <p:par>
-        <p:cTn id="1" dur="indefinite" restart="never" nodeType="tmRoot"/>
+        <p:cTn xmlns:p14="http://schemas.microsoft.com/office/powerpoint/2010/main" id="1" dur="indefinite" restart="never" nodeType="tmRoot"/>
       </p:par>
     </p:tnLst>
   </p:timing>
@@ -10946,14 +10958,14 @@
             <a:noFill/>
           </a:ln>
           <a:extLst>
-            <a:ext uri="{909E8E84-426E-40DD-AFC4-6F175D3DCCD1}">
+            <a:ext uri="{909E8E84-426E-40dd-AFC4-6F175D3DCCD1}">
               <a14:hiddenFill xmlns:a14="http://schemas.microsoft.com/office/drawing/2010/main">
                 <a:solidFill>
                   <a:srgbClr val="FFFFFF"/>
                 </a:solidFill>
               </a14:hiddenFill>
             </a:ext>
-            <a:ext uri="{91240B29-F687-4F45-9708-019B960494DF}">
+            <a:ext uri="{91240B29-F687-4f45-9708-019B960494DF}">
               <a14:hiddenLine xmlns:a14="http://schemas.microsoft.com/office/drawing/2010/main" w="9525">
                 <a:solidFill>
                   <a:srgbClr val="000000"/>
@@ -11247,7 +11259,7 @@
   <p:timing>
     <p:tnLst>
       <p:par>
-        <p:cTn id="1" dur="indefinite" restart="never" nodeType="tmRoot"/>
+        <p:cTn xmlns:p14="http://schemas.microsoft.com/office/powerpoint/2010/main" id="1" dur="indefinite" restart="never" nodeType="tmRoot"/>
       </p:par>
     </p:tnLst>
   </p:timing>
@@ -11392,14 +11404,14 @@
             <a:noFill/>
           </a:ln>
           <a:extLst>
-            <a:ext uri="{909E8E84-426E-40DD-AFC4-6F175D3DCCD1}">
+            <a:ext uri="{909E8E84-426E-40dd-AFC4-6F175D3DCCD1}">
               <a14:hiddenFill xmlns:a14="http://schemas.microsoft.com/office/drawing/2010/main">
                 <a:solidFill>
                   <a:srgbClr val="FFFFFF"/>
                 </a:solidFill>
               </a14:hiddenFill>
             </a:ext>
-            <a:ext uri="{91240B29-F687-4F45-9708-019B960494DF}">
+            <a:ext uri="{91240B29-F687-4f45-9708-019B960494DF}">
               <a14:hiddenLine xmlns:a14="http://schemas.microsoft.com/office/drawing/2010/main" w="9525">
                 <a:solidFill>
                   <a:srgbClr val="000000"/>
@@ -11710,14 +11722,14 @@
             <a:noFill/>
           </a:ln>
           <a:extLst>
-            <a:ext uri="{909E8E84-426E-40DD-AFC4-6F175D3DCCD1}">
+            <a:ext uri="{909E8E84-426E-40dd-AFC4-6F175D3DCCD1}">
               <a14:hiddenFill xmlns:a14="http://schemas.microsoft.com/office/drawing/2010/main">
                 <a:solidFill>
                   <a:srgbClr val="FFFFFF"/>
                 </a:solidFill>
               </a14:hiddenFill>
             </a:ext>
-            <a:ext uri="{91240B29-F687-4F45-9708-019B960494DF}">
+            <a:ext uri="{91240B29-F687-4f45-9708-019B960494DF}">
               <a14:hiddenLine xmlns:a14="http://schemas.microsoft.com/office/drawing/2010/main" w="9525">
                 <a:solidFill>
                   <a:srgbClr val="000000"/>
@@ -11904,14 +11916,14 @@
             <a:noFill/>
           </a:ln>
           <a:extLst>
-            <a:ext uri="{909E8E84-426E-40DD-AFC4-6F175D3DCCD1}">
+            <a:ext uri="{909E8E84-426E-40dd-AFC4-6F175D3DCCD1}">
               <a14:hiddenFill xmlns:a14="http://schemas.microsoft.com/office/drawing/2010/main">
                 <a:solidFill>
                   <a:srgbClr val="FFFFFF"/>
                 </a:solidFill>
               </a14:hiddenFill>
             </a:ext>
-            <a:ext uri="{91240B29-F687-4F45-9708-019B960494DF}">
+            <a:ext uri="{91240B29-F687-4f45-9708-019B960494DF}">
               <a14:hiddenLine xmlns:a14="http://schemas.microsoft.com/office/drawing/2010/main" w="9525">
                 <a:solidFill>
                   <a:srgbClr val="000000"/>
@@ -12057,7 +12069,7 @@
   <p:timing>
     <p:tnLst>
       <p:par>
-        <p:cTn id="1" dur="indefinite" restart="never" nodeType="tmRoot"/>
+        <p:cTn xmlns:p14="http://schemas.microsoft.com/office/powerpoint/2010/main" id="1" dur="indefinite" restart="never" nodeType="tmRoot"/>
       </p:par>
     </p:tnLst>
   </p:timing>
@@ -12175,14 +12187,14 @@
             <a:noFill/>
           </a:ln>
           <a:extLst>
-            <a:ext uri="{909E8E84-426E-40DD-AFC4-6F175D3DCCD1}">
+            <a:ext uri="{909E8E84-426E-40dd-AFC4-6F175D3DCCD1}">
               <a14:hiddenFill xmlns:a14="http://schemas.microsoft.com/office/drawing/2010/main">
                 <a:solidFill>
                   <a:srgbClr val="FFFFFF"/>
                 </a:solidFill>
               </a14:hiddenFill>
             </a:ext>
-            <a:ext uri="{91240B29-F687-4F45-9708-019B960494DF}">
+            <a:ext uri="{91240B29-F687-4f45-9708-019B960494DF}">
               <a14:hiddenLine xmlns:a14="http://schemas.microsoft.com/office/drawing/2010/main" w="9525">
                 <a:solidFill>
                   <a:srgbClr val="000000"/>
@@ -12349,14 +12361,14 @@
             <a:noFill/>
           </a:ln>
           <a:extLst>
-            <a:ext uri="{909E8E84-426E-40DD-AFC4-6F175D3DCCD1}">
+            <a:ext uri="{909E8E84-426E-40dd-AFC4-6F175D3DCCD1}">
               <a14:hiddenFill xmlns:a14="http://schemas.microsoft.com/office/drawing/2010/main">
                 <a:solidFill>
                   <a:srgbClr val="FFFFFF"/>
                 </a:solidFill>
               </a14:hiddenFill>
             </a:ext>
-            <a:ext uri="{91240B29-F687-4F45-9708-019B960494DF}">
+            <a:ext uri="{91240B29-F687-4f45-9708-019B960494DF}">
               <a14:hiddenLine xmlns:a14="http://schemas.microsoft.com/office/drawing/2010/main" w="9525">
                 <a:solidFill>
                   <a:srgbClr val="000000"/>
@@ -12505,7 +12517,7 @@
   <p:timing>
     <p:tnLst>
       <p:par>
-        <p:cTn id="1" dur="indefinite" restart="never" nodeType="tmRoot"/>
+        <p:cTn xmlns:p14="http://schemas.microsoft.com/office/powerpoint/2010/main" id="1" dur="indefinite" restart="never" nodeType="tmRoot"/>
       </p:par>
     </p:tnLst>
   </p:timing>
@@ -12791,7 +12803,7 @@
   <p:timing>
     <p:tnLst>
       <p:par>
-        <p:cTn id="1" dur="indefinite" restart="never" nodeType="tmRoot"/>
+        <p:cTn xmlns:p14="http://schemas.microsoft.com/office/powerpoint/2010/main" id="1" dur="indefinite" restart="never" nodeType="tmRoot"/>
       </p:par>
     </p:tnLst>
   </p:timing>
@@ -12941,7 +12953,7 @@
   <p:timing>
     <p:tnLst>
       <p:par>
-        <p:cTn id="1" dur="indefinite" restart="never" nodeType="tmRoot"/>
+        <p:cTn xmlns:p14="http://schemas.microsoft.com/office/powerpoint/2010/main" id="1" dur="indefinite" restart="never" nodeType="tmRoot"/>
       </p:par>
     </p:tnLst>
   </p:timing>
@@ -12983,7 +12995,7 @@
         </p:spPr>
         <p:txBody>
           <a:bodyPr rtlCol="0">
-            <a:normAutofit fontScale="92500" lnSpcReduction="10000"/>
+            <a:normAutofit fontScale="92500" lnSpcReduction="20000"/>
           </a:bodyPr>
           <a:lstStyle/>
           <a:p>
@@ -13228,7 +13240,7 @@
   <p:timing>
     <p:tnLst>
       <p:par>
-        <p:cTn id="1" dur="indefinite" restart="never" nodeType="tmRoot"/>
+        <p:cTn xmlns:p14="http://schemas.microsoft.com/office/powerpoint/2010/main" id="1" dur="indefinite" restart="never" nodeType="tmRoot"/>
       </p:par>
     </p:tnLst>
   </p:timing>
@@ -13498,7 +13510,7 @@
   <p:timing>
     <p:tnLst>
       <p:par>
-        <p:cTn id="1" dur="indefinite" restart="never" nodeType="tmRoot"/>
+        <p:cTn xmlns:p14="http://schemas.microsoft.com/office/powerpoint/2010/main" id="1" dur="indefinite" restart="never" nodeType="tmRoot"/>
       </p:par>
     </p:tnLst>
   </p:timing>
@@ -13837,7 +13849,7 @@
   <p:timing>
     <p:tnLst>
       <p:par>
-        <p:cTn id="1" dur="indefinite" restart="never" nodeType="tmRoot"/>
+        <p:cTn xmlns:p14="http://schemas.microsoft.com/office/powerpoint/2010/main" id="1" dur="indefinite" restart="never" nodeType="tmRoot"/>
       </p:par>
     </p:tnLst>
   </p:timing>
@@ -13902,7 +13914,7 @@
   <p:timing>
     <p:tnLst>
       <p:par>
-        <p:cTn id="1" dur="indefinite" restart="never" nodeType="tmRoot"/>
+        <p:cTn xmlns:p14="http://schemas.microsoft.com/office/powerpoint/2010/main" id="1" dur="indefinite" restart="never" nodeType="tmRoot"/>
       </p:par>
     </p:tnLst>
   </p:timing>
@@ -13971,7 +13983,7 @@
   <p:timing>
     <p:tnLst>
       <p:par>
-        <p:cTn id="1" dur="indefinite" restart="never" nodeType="tmRoot"/>
+        <p:cTn xmlns:p14="http://schemas.microsoft.com/office/powerpoint/2010/main" id="1" dur="indefinite" restart="never" nodeType="tmRoot"/>
       </p:par>
     </p:tnLst>
   </p:timing>
@@ -14837,7 +14849,7 @@
   <p:timing>
     <p:tnLst>
       <p:par>
-        <p:cTn id="1" dur="indefinite" restart="never" nodeType="tmRoot"/>
+        <p:cTn xmlns:p14="http://schemas.microsoft.com/office/powerpoint/2010/main" id="1" dur="indefinite" restart="never" nodeType="tmRoot"/>
       </p:par>
     </p:tnLst>
   </p:timing>
@@ -15703,7 +15715,7 @@
   <p:timing>
     <p:tnLst>
       <p:par>
-        <p:cTn id="1" dur="indefinite" restart="never" nodeType="tmRoot"/>
+        <p:cTn xmlns:p14="http://schemas.microsoft.com/office/powerpoint/2010/main" id="1" dur="indefinite" restart="never" nodeType="tmRoot"/>
       </p:par>
     </p:tnLst>
   </p:timing>
@@ -17379,7 +17391,7 @@
   <p:timing>
     <p:tnLst>
       <p:par>
-        <p:cTn id="1" dur="indefinite" restart="never" nodeType="tmRoot"/>
+        <p:cTn xmlns:p14="http://schemas.microsoft.com/office/powerpoint/2010/main" id="1" dur="indefinite" restart="never" nodeType="tmRoot"/>
       </p:par>
     </p:tnLst>
   </p:timing>
@@ -18837,7 +18849,7 @@
   <p:timing>
     <p:tnLst>
       <p:par>
-        <p:cTn id="1" dur="indefinite" restart="never" nodeType="tmRoot"/>
+        <p:cTn xmlns:p14="http://schemas.microsoft.com/office/powerpoint/2010/main" id="1" dur="indefinite" restart="never" nodeType="tmRoot"/>
       </p:par>
     </p:tnLst>
   </p:timing>
@@ -19001,7 +19013,7 @@
   <p:timing>
     <p:tnLst>
       <p:par>
-        <p:cTn id="1" dur="indefinite" restart="never" nodeType="tmRoot"/>
+        <p:cTn xmlns:p14="http://schemas.microsoft.com/office/powerpoint/2010/main" id="1" dur="indefinite" restart="never" nodeType="tmRoot"/>
       </p:par>
     </p:tnLst>
   </p:timing>
@@ -19203,7 +19215,7 @@
   <p:timing>
     <p:tnLst>
       <p:par>
-        <p:cTn id="1" dur="indefinite" restart="never" nodeType="tmRoot"/>
+        <p:cTn xmlns:p14="http://schemas.microsoft.com/office/powerpoint/2010/main" id="1" dur="indefinite" restart="never" nodeType="tmRoot"/>
       </p:par>
     </p:tnLst>
   </p:timing>
@@ -19316,7 +19328,7 @@
           </a:prstGeom>
           <a:noFill/>
           <a:extLst>
-            <a:ext uri="{909E8E84-426E-40DD-AFC4-6F175D3DCCD1}">
+            <a:ext uri="{909E8E84-426E-40dd-AFC4-6F175D3DCCD1}">
               <a14:hiddenFill xmlns:a14="http://schemas.microsoft.com/office/drawing/2010/main">
                 <a:solidFill>
                   <a:srgbClr val="FFFFFF"/>
@@ -19335,7 +19347,7 @@
         <p:spPr>
           <a:xfrm>
             <a:off x="5881563" y="1508900"/>
-            <a:ext cx="447629" cy="369332"/>
+            <a:ext cx="447629" cy="307777"/>
           </a:xfrm>
           <a:prstGeom prst="rect">
             <a:avLst/>
@@ -19349,10 +19361,10 @@
           <a:lstStyle/>
           <a:p>
             <a:r>
-              <a:rPr lang="en-US" dirty="0" smtClean="0"/>
+              <a:rPr lang="en-US" sz="1400" dirty="0" smtClean="0"/>
               <a:t>C1</a:t>
             </a:r>
-            <a:endParaRPr lang="en-US" dirty="0"/>
+            <a:endParaRPr lang="en-US" sz="1400" dirty="0"/>
           </a:p>
         </p:txBody>
       </p:sp>
@@ -19365,7 +19377,7 @@
         <p:spPr>
           <a:xfrm>
             <a:off x="5845340" y="2449857"/>
-            <a:ext cx="447629" cy="369332"/>
+            <a:ext cx="447629" cy="307777"/>
           </a:xfrm>
           <a:prstGeom prst="rect">
             <a:avLst/>
@@ -19379,10 +19391,10 @@
           <a:lstStyle/>
           <a:p>
             <a:r>
-              <a:rPr lang="en-US" dirty="0" smtClean="0"/>
+              <a:rPr lang="en-US" sz="1400" dirty="0" smtClean="0"/>
               <a:t>C2</a:t>
             </a:r>
-            <a:endParaRPr lang="en-US" dirty="0"/>
+            <a:endParaRPr lang="en-US" sz="1400" dirty="0"/>
           </a:p>
         </p:txBody>
       </p:sp>
@@ -19415,7 +19427,7 @@
           </a:prstGeom>
           <a:noFill/>
           <a:extLst>
-            <a:ext uri="{909E8E84-426E-40DD-AFC4-6F175D3DCCD1}">
+            <a:ext uri="{909E8E84-426E-40dd-AFC4-6F175D3DCCD1}">
               <a14:hiddenFill xmlns:a14="http://schemas.microsoft.com/office/drawing/2010/main">
                 <a:solidFill>
                   <a:srgbClr val="FFFFFF"/>
@@ -19660,7 +19672,7 @@
           </a:prstGeom>
           <a:noFill/>
           <a:extLst>
-            <a:ext uri="{909E8E84-426E-40DD-AFC4-6F175D3DCCD1}">
+            <a:ext uri="{909E8E84-426E-40dd-AFC4-6F175D3DCCD1}">
               <a14:hiddenFill xmlns:a14="http://schemas.microsoft.com/office/drawing/2010/main">
                 <a:solidFill>
                   <a:srgbClr val="FFFFFF"/>
@@ -19679,7 +19691,7 @@
         <p:spPr>
           <a:xfrm>
             <a:off x="2286099" y="3978374"/>
-            <a:ext cx="447629" cy="369332"/>
+            <a:ext cx="447629" cy="307777"/>
           </a:xfrm>
           <a:prstGeom prst="rect">
             <a:avLst/>
@@ -19693,10 +19705,10 @@
           <a:lstStyle/>
           <a:p>
             <a:r>
-              <a:rPr lang="en-US" dirty="0" smtClean="0"/>
+              <a:rPr lang="en-US" sz="1400" dirty="0" smtClean="0"/>
               <a:t>C1</a:t>
             </a:r>
-            <a:endParaRPr lang="en-US" dirty="0"/>
+            <a:endParaRPr lang="en-US" sz="1400" dirty="0"/>
           </a:p>
         </p:txBody>
       </p:sp>
@@ -20351,7 +20363,7 @@
   <p:timing>
     <p:tnLst>
       <p:par>
-        <p:cTn id="1" dur="indefinite" restart="never" nodeType="tmRoot"/>
+        <p:cTn xmlns:p14="http://schemas.microsoft.com/office/powerpoint/2010/main" id="1" dur="indefinite" restart="never" nodeType="tmRoot"/>
       </p:par>
     </p:tnLst>
   </p:timing>
@@ -20512,7 +20524,7 @@
   <p:timing>
     <p:tnLst>
       <p:par>
-        <p:cTn id="1" dur="indefinite" restart="never" nodeType="tmRoot"/>
+        <p:cTn xmlns:p14="http://schemas.microsoft.com/office/powerpoint/2010/main" id="1" dur="indefinite" restart="never" nodeType="tmRoot"/>
       </p:par>
     </p:tnLst>
   </p:timing>
@@ -20671,7 +20683,7 @@
   <p:timing>
     <p:tnLst>
       <p:par>
-        <p:cTn id="1" dur="indefinite" restart="never" nodeType="tmRoot"/>
+        <p:cTn xmlns:p14="http://schemas.microsoft.com/office/powerpoint/2010/main" id="1" dur="indefinite" restart="never" nodeType="tmRoot"/>
       </p:par>
     </p:tnLst>
   </p:timing>
@@ -20872,7 +20884,7 @@
   <p:timing>
     <p:tnLst>
       <p:par>
-        <p:cTn id="1" dur="indefinite" restart="never" nodeType="tmRoot"/>
+        <p:cTn xmlns:p14="http://schemas.microsoft.com/office/powerpoint/2010/main" id="1" dur="indefinite" restart="never" nodeType="tmRoot"/>
       </p:par>
     </p:tnLst>
   </p:timing>
@@ -21738,7 +21750,7 @@
   <p:timing>
     <p:tnLst>
       <p:par>
-        <p:cTn id="1" dur="indefinite" restart="never" nodeType="tmRoot"/>
+        <p:cTn xmlns:p14="http://schemas.microsoft.com/office/powerpoint/2010/main" id="1" dur="indefinite" restart="never" nodeType="tmRoot"/>
       </p:par>
     </p:tnLst>
   </p:timing>
@@ -21996,7 +22008,7 @@
   <p:timing>
     <p:tnLst>
       <p:par>
-        <p:cTn id="1" dur="indefinite" restart="never" nodeType="tmRoot"/>
+        <p:cTn xmlns:p14="http://schemas.microsoft.com/office/powerpoint/2010/main" id="1" dur="indefinite" restart="never" nodeType="tmRoot"/>
       </p:par>
     </p:tnLst>
   </p:timing>
@@ -22287,7 +22299,7 @@
   <p:timing>
     <p:tnLst>
       <p:par>
-        <p:cTn id="1" dur="indefinite" restart="never" nodeType="tmRoot"/>
+        <p:cTn xmlns:p14="http://schemas.microsoft.com/office/powerpoint/2010/main" id="1" dur="indefinite" restart="never" nodeType="tmRoot"/>
       </p:par>
     </p:tnLst>
   </p:timing>
@@ -22442,7 +22454,7 @@
   <p:timing>
     <p:tnLst>
       <p:par>
-        <p:cTn id="1" dur="indefinite" restart="never" nodeType="tmRoot"/>
+        <p:cTn xmlns:p14="http://schemas.microsoft.com/office/powerpoint/2010/main" id="1" dur="indefinite" restart="never" nodeType="tmRoot"/>
       </p:par>
     </p:tnLst>
   </p:timing>
@@ -22613,7 +22625,7 @@
   <p:timing>
     <p:tnLst>
       <p:par>
-        <p:cTn id="1" dur="indefinite" restart="never" nodeType="tmRoot"/>
+        <p:cTn xmlns:p14="http://schemas.microsoft.com/office/powerpoint/2010/main" id="1" dur="indefinite" restart="never" nodeType="tmRoot"/>
       </p:par>
     </p:tnLst>
   </p:timing>
@@ -22782,7 +22794,7 @@
   <p:timing>
     <p:tnLst>
       <p:par>
-        <p:cTn id="1" dur="indefinite" restart="never" nodeType="tmRoot"/>
+        <p:cTn xmlns:p14="http://schemas.microsoft.com/office/powerpoint/2010/main" id="1" dur="indefinite" restart="never" nodeType="tmRoot"/>
       </p:par>
     </p:tnLst>
   </p:timing>
@@ -22851,7 +22863,7 @@
   <p:timing>
     <p:tnLst>
       <p:par>
-        <p:cTn id="1" dur="indefinite" restart="never" nodeType="tmRoot"/>
+        <p:cTn xmlns:p14="http://schemas.microsoft.com/office/powerpoint/2010/main" id="1" dur="indefinite" restart="never" nodeType="tmRoot"/>
       </p:par>
     </p:tnLst>
   </p:timing>
@@ -23396,7 +23408,7 @@
   <p:timing>
     <p:tnLst>
       <p:par>
-        <p:cTn id="1" dur="indefinite" restart="never" nodeType="tmRoot"/>
+        <p:cTn xmlns:p14="http://schemas.microsoft.com/office/powerpoint/2010/main" id="1" dur="indefinite" restart="never" nodeType="tmRoot"/>
       </p:par>
     </p:tnLst>
   </p:timing>
@@ -23489,7 +23501,7 @@
   <p:timing>
     <p:tnLst>
       <p:par>
-        <p:cTn id="1" dur="indefinite" restart="never" nodeType="tmRoot"/>
+        <p:cTn xmlns:p14="http://schemas.microsoft.com/office/powerpoint/2010/main" id="1" dur="indefinite" restart="never" nodeType="tmRoot"/>
       </p:par>
     </p:tnLst>
   </p:timing>
@@ -23609,7 +23621,7 @@
   <p:timing>
     <p:tnLst>
       <p:par>
-        <p:cTn id="1" dur="indefinite" restart="never" nodeType="tmRoot"/>
+        <p:cTn xmlns:p14="http://schemas.microsoft.com/office/powerpoint/2010/main" id="1" dur="indefinite" restart="never" nodeType="tmRoot"/>
       </p:par>
     </p:tnLst>
   </p:timing>
@@ -23912,7 +23924,7 @@
   <p:timing>
     <p:tnLst>
       <p:par>
-        <p:cTn id="1" dur="indefinite" restart="never" nodeType="tmRoot"/>
+        <p:cTn xmlns:p14="http://schemas.microsoft.com/office/powerpoint/2010/main" id="1" dur="indefinite" restart="never" nodeType="tmRoot"/>
       </p:par>
     </p:tnLst>
   </p:timing>
@@ -24017,7 +24029,7 @@
   <p:timing>
     <p:tnLst>
       <p:par>
-        <p:cTn id="1" dur="indefinite" restart="never" nodeType="tmRoot"/>
+        <p:cTn xmlns:p14="http://schemas.microsoft.com/office/powerpoint/2010/main" id="1" dur="indefinite" restart="never" nodeType="tmRoot"/>
       </p:par>
     </p:tnLst>
   </p:timing>
@@ -24326,7 +24338,7 @@
   <p:timing>
     <p:tnLst>
       <p:par>
-        <p:cTn id="1" dur="indefinite" restart="never" nodeType="tmRoot"/>
+        <p:cTn xmlns:p14="http://schemas.microsoft.com/office/powerpoint/2010/main" id="1" dur="indefinite" restart="never" nodeType="tmRoot"/>
       </p:par>
     </p:tnLst>
   </p:timing>
@@ -24708,7 +24720,7 @@
   <p:timing>
     <p:tnLst>
       <p:par>
-        <p:cTn id="1" dur="indefinite" restart="never" nodeType="tmRoot"/>
+        <p:cTn xmlns:p14="http://schemas.microsoft.com/office/powerpoint/2010/main" id="1" dur="indefinite" restart="never" nodeType="tmRoot"/>
       </p:par>
     </p:tnLst>
   </p:timing>
@@ -24884,7 +24896,7 @@
   <p:timing>
     <p:tnLst>
       <p:par>
-        <p:cTn id="1" dur="indefinite" restart="never" nodeType="tmRoot"/>
+        <p:cTn xmlns:p14="http://schemas.microsoft.com/office/powerpoint/2010/main" id="1" dur="indefinite" restart="never" nodeType="tmRoot"/>
       </p:par>
     </p:tnLst>
   </p:timing>
@@ -24990,7 +25002,7 @@
   <p:timing>
     <p:tnLst>
       <p:par>
-        <p:cTn id="1" dur="indefinite" restart="never" nodeType="tmRoot"/>
+        <p:cTn xmlns:p14="http://schemas.microsoft.com/office/powerpoint/2010/main" id="1" dur="indefinite" restart="never" nodeType="tmRoot"/>
       </p:par>
     </p:tnLst>
   </p:timing>
@@ -25441,7 +25453,7 @@
   <p:timing>
     <p:tnLst>
       <p:par>
-        <p:cTn id="1" dur="indefinite" restart="never" nodeType="tmRoot"/>
+        <p:cTn xmlns:p14="http://schemas.microsoft.com/office/powerpoint/2010/main" id="1" dur="indefinite" restart="never" nodeType="tmRoot"/>
       </p:par>
     </p:tnLst>
   </p:timing>
@@ -25824,7 +25836,7 @@
   <p:timing>
     <p:tnLst>
       <p:par>
-        <p:cTn id="1" dur="indefinite" restart="never" nodeType="tmRoot"/>
+        <p:cTn xmlns:p14="http://schemas.microsoft.com/office/powerpoint/2010/main" id="1" dur="indefinite" restart="never" nodeType="tmRoot"/>
       </p:par>
     </p:tnLst>
   </p:timing>
@@ -26187,7 +26199,7 @@
   <p:timing>
     <p:tnLst>
       <p:par>
-        <p:cTn id="1" dur="indefinite" restart="never" nodeType="tmRoot"/>
+        <p:cTn xmlns:p14="http://schemas.microsoft.com/office/powerpoint/2010/main" id="1" dur="indefinite" restart="never" nodeType="tmRoot"/>
       </p:par>
     </p:tnLst>
   </p:timing>
@@ -26514,7 +26526,7 @@
   <p:timing>
     <p:tnLst>
       <p:par>
-        <p:cTn id="1" dur="indefinite" restart="never" nodeType="tmRoot"/>
+        <p:cTn xmlns:p14="http://schemas.microsoft.com/office/powerpoint/2010/main" id="1" dur="indefinite" restart="never" nodeType="tmRoot"/>
       </p:par>
     </p:tnLst>
   </p:timing>
@@ -26810,7 +26822,7 @@
   <p:timing>
     <p:tnLst>
       <p:par>
-        <p:cTn id="1" dur="indefinite" restart="never" nodeType="tmRoot"/>
+        <p:cTn xmlns:p14="http://schemas.microsoft.com/office/powerpoint/2010/main" id="1" dur="indefinite" restart="never" nodeType="tmRoot"/>
       </p:par>
     </p:tnLst>
   </p:timing>
@@ -26916,7 +26928,7 @@
   <p:timing>
     <p:tnLst>
       <p:par>
-        <p:cTn id="1" dur="indefinite" restart="never" nodeType="tmRoot"/>
+        <p:cTn xmlns:p14="http://schemas.microsoft.com/office/powerpoint/2010/main" id="1" dur="indefinite" restart="never" nodeType="tmRoot"/>
       </p:par>
     </p:tnLst>
   </p:timing>
@@ -28094,7 +28106,7 @@
   <p:timing>
     <p:tnLst>
       <p:par>
-        <p:cTn id="1" dur="indefinite" restart="never" nodeType="tmRoot"/>
+        <p:cTn xmlns:p14="http://schemas.microsoft.com/office/powerpoint/2010/main" id="1" dur="indefinite" restart="never" nodeType="tmRoot"/>
       </p:par>
     </p:tnLst>
   </p:timing>
@@ -28131,7 +28143,7 @@
         <p:spPr/>
         <p:txBody>
           <a:bodyPr>
-            <a:normAutofit/>
+            <a:normAutofit lnSpcReduction="10000"/>
           </a:bodyPr>
           <a:lstStyle/>
           <a:p>
@@ -28232,7 +28244,7 @@
   <p:timing>
     <p:tnLst>
       <p:par>
-        <p:cTn id="1" dur="indefinite" restart="never" nodeType="tmRoot"/>
+        <p:cTn xmlns:p14="http://schemas.microsoft.com/office/powerpoint/2010/main" id="1" dur="indefinite" restart="never" nodeType="tmRoot"/>
       </p:par>
     </p:tnLst>
   </p:timing>
@@ -28444,7 +28456,7 @@
   <p:timing>
     <p:tnLst>
       <p:par>
-        <p:cTn id="1" dur="indefinite" restart="never" nodeType="tmRoot"/>
+        <p:cTn xmlns:p14="http://schemas.microsoft.com/office/powerpoint/2010/main" id="1" dur="indefinite" restart="never" nodeType="tmRoot"/>
       </p:par>
     </p:tnLst>
   </p:timing>
@@ -28843,7 +28855,7 @@
   <p:timing>
     <p:tnLst>
       <p:par>
-        <p:cTn id="1" dur="indefinite" restart="never" nodeType="tmRoot"/>
+        <p:cTn xmlns:p14="http://schemas.microsoft.com/office/powerpoint/2010/main" id="1" dur="indefinite" restart="never" nodeType="tmRoot"/>
       </p:par>
     </p:tnLst>
   </p:timing>
@@ -28941,7 +28953,7 @@
   <p:timing>
     <p:tnLst>
       <p:par>
-        <p:cTn id="1" dur="indefinite" restart="never" nodeType="tmRoot"/>
+        <p:cTn xmlns:p14="http://schemas.microsoft.com/office/powerpoint/2010/main" id="1" dur="indefinite" restart="never" nodeType="tmRoot"/>
       </p:par>
     </p:tnLst>
   </p:timing>
@@ -29343,14 +29355,14 @@
           </a:ln>
           <a:effectLst/>
           <a:extLst>
-            <a:ext uri="{909E8E84-426E-40DD-AFC4-6F175D3DCCD1}">
+            <a:ext uri="{909E8E84-426E-40dd-AFC4-6F175D3DCCD1}">
               <a14:hiddenFill xmlns:a14="http://schemas.microsoft.com/office/drawing/2010/main">
                 <a:solidFill>
                   <a:schemeClr val="accent1"/>
                 </a:solidFill>
               </a14:hiddenFill>
             </a:ext>
-            <a:ext uri="{AF507438-7753-43E0-B8FC-AC1667EBCBE1}">
+            <a:ext uri="{AF507438-7753-43e0-B8FC-AC1667EBCBE1}">
               <a14:hiddenEffects xmlns:a14="http://schemas.microsoft.com/office/drawing/2010/main">
                 <a:effectLst>
                   <a:outerShdw dist="35921" dir="2700000" algn="ctr" rotWithShape="0">
@@ -29495,14 +29507,14 @@
           </a:ln>
           <a:effectLst/>
           <a:extLst>
-            <a:ext uri="{909E8E84-426E-40DD-AFC4-6F175D3DCCD1}">
+            <a:ext uri="{909E8E84-426E-40dd-AFC4-6F175D3DCCD1}">
               <a14:hiddenFill xmlns:a14="http://schemas.microsoft.com/office/drawing/2010/main">
                 <a:solidFill>
                   <a:schemeClr val="accent1"/>
                 </a:solidFill>
               </a14:hiddenFill>
             </a:ext>
-            <a:ext uri="{AF507438-7753-43E0-B8FC-AC1667EBCBE1}">
+            <a:ext uri="{AF507438-7753-43e0-B8FC-AC1667EBCBE1}">
               <a14:hiddenEffects xmlns:a14="http://schemas.microsoft.com/office/drawing/2010/main">
                 <a:effectLst>
                   <a:outerShdw dist="35921" dir="2700000" algn="ctr" rotWithShape="0">
@@ -29641,14 +29653,14 @@
             <a:noFill/>
           </a:ln>
           <a:extLst>
-            <a:ext uri="{909E8E84-426E-40DD-AFC4-6F175D3DCCD1}">
+            <a:ext uri="{909E8E84-426E-40dd-AFC4-6F175D3DCCD1}">
               <a14:hiddenFill xmlns:a14="http://schemas.microsoft.com/office/drawing/2010/main">
                 <a:solidFill>
                   <a:srgbClr val="FFFFFF"/>
                 </a:solidFill>
               </a14:hiddenFill>
             </a:ext>
-            <a:ext uri="{91240B29-F687-4F45-9708-019B960494DF}">
+            <a:ext uri="{91240B29-F687-4f45-9708-019B960494DF}">
               <a14:hiddenLine xmlns:a14="http://schemas.microsoft.com/office/drawing/2010/main" w="9525">
                 <a:solidFill>
                   <a:srgbClr val="000000"/>
@@ -29813,14 +29825,14 @@
           </a:ln>
           <a:effectLst/>
           <a:extLst>
-            <a:ext uri="{909E8E84-426E-40DD-AFC4-6F175D3DCCD1}">
+            <a:ext uri="{909E8E84-426E-40dd-AFC4-6F175D3DCCD1}">
               <a14:hiddenFill xmlns:a14="http://schemas.microsoft.com/office/drawing/2010/main">
                 <a:solidFill>
                   <a:schemeClr val="accent1"/>
                 </a:solidFill>
               </a14:hiddenFill>
             </a:ext>
-            <a:ext uri="{AF507438-7753-43E0-B8FC-AC1667EBCBE1}">
+            <a:ext uri="{AF507438-7753-43e0-B8FC-AC1667EBCBE1}">
               <a14:hiddenEffects xmlns:a14="http://schemas.microsoft.com/office/drawing/2010/main">
                 <a:effectLst>
                   <a:outerShdw dist="35921" dir="2700000" algn="ctr" rotWithShape="0">
@@ -29968,14 +29980,14 @@
           </a:ln>
           <a:effectLst/>
           <a:extLst>
-            <a:ext uri="{909E8E84-426E-40DD-AFC4-6F175D3DCCD1}">
+            <a:ext uri="{909E8E84-426E-40dd-AFC4-6F175D3DCCD1}">
               <a14:hiddenFill xmlns:a14="http://schemas.microsoft.com/office/drawing/2010/main">
                 <a:solidFill>
                   <a:schemeClr val="accent1"/>
                 </a:solidFill>
               </a14:hiddenFill>
             </a:ext>
-            <a:ext uri="{AF507438-7753-43E0-B8FC-AC1667EBCBE1}">
+            <a:ext uri="{AF507438-7753-43e0-B8FC-AC1667EBCBE1}">
               <a14:hiddenEffects xmlns:a14="http://schemas.microsoft.com/office/drawing/2010/main">
                 <a:effectLst>
                   <a:outerShdw dist="35921" dir="2700000" algn="ctr" rotWithShape="0">
@@ -30114,14 +30126,14 @@
             <a:noFill/>
           </a:ln>
           <a:extLst>
-            <a:ext uri="{909E8E84-426E-40DD-AFC4-6F175D3DCCD1}">
+            <a:ext uri="{909E8E84-426E-40dd-AFC4-6F175D3DCCD1}">
               <a14:hiddenFill xmlns:a14="http://schemas.microsoft.com/office/drawing/2010/main">
                 <a:solidFill>
                   <a:srgbClr val="FFFFFF"/>
                 </a:solidFill>
               </a14:hiddenFill>
             </a:ext>
-            <a:ext uri="{91240B29-F687-4F45-9708-019B960494DF}">
+            <a:ext uri="{91240B29-F687-4f45-9708-019B960494DF}">
               <a14:hiddenLine xmlns:a14="http://schemas.microsoft.com/office/drawing/2010/main" w="9525">
                 <a:solidFill>
                   <a:srgbClr val="000000"/>
@@ -30271,14 +30283,14 @@
             <a:noFill/>
           </a:ln>
           <a:extLst>
-            <a:ext uri="{909E8E84-426E-40DD-AFC4-6F175D3DCCD1}">
+            <a:ext uri="{909E8E84-426E-40dd-AFC4-6F175D3DCCD1}">
               <a14:hiddenFill xmlns:a14="http://schemas.microsoft.com/office/drawing/2010/main">
                 <a:solidFill>
                   <a:srgbClr val="FFFFFF"/>
                 </a:solidFill>
               </a14:hiddenFill>
             </a:ext>
-            <a:ext uri="{91240B29-F687-4F45-9708-019B960494DF}">
+            <a:ext uri="{91240B29-F687-4f45-9708-019B960494DF}">
               <a14:hiddenLine xmlns:a14="http://schemas.microsoft.com/office/drawing/2010/main" w="9525">
                 <a:solidFill>
                   <a:srgbClr val="000000"/>
@@ -30422,14 +30434,14 @@
             <a:noFill/>
           </a:ln>
           <a:extLst>
-            <a:ext uri="{909E8E84-426E-40DD-AFC4-6F175D3DCCD1}">
+            <a:ext uri="{909E8E84-426E-40dd-AFC4-6F175D3DCCD1}">
               <a14:hiddenFill xmlns:a14="http://schemas.microsoft.com/office/drawing/2010/main">
                 <a:solidFill>
                   <a:srgbClr val="FFFFFF"/>
                 </a:solidFill>
               </a14:hiddenFill>
             </a:ext>
-            <a:ext uri="{91240B29-F687-4F45-9708-019B960494DF}">
+            <a:ext uri="{91240B29-F687-4f45-9708-019B960494DF}">
               <a14:hiddenLine xmlns:a14="http://schemas.microsoft.com/office/drawing/2010/main" w="9525">
                 <a:solidFill>
                   <a:srgbClr val="000000"/>
@@ -30579,14 +30591,14 @@
           </a:ln>
           <a:effectLst/>
           <a:extLst>
-            <a:ext uri="{909E8E84-426E-40DD-AFC4-6F175D3DCCD1}">
+            <a:ext uri="{909E8E84-426E-40dd-AFC4-6F175D3DCCD1}">
               <a14:hiddenFill xmlns:a14="http://schemas.microsoft.com/office/drawing/2010/main">
                 <a:solidFill>
                   <a:schemeClr val="accent1"/>
                 </a:solidFill>
               </a14:hiddenFill>
             </a:ext>
-            <a:ext uri="{AF507438-7753-43E0-B8FC-AC1667EBCBE1}">
+            <a:ext uri="{AF507438-7753-43e0-B8FC-AC1667EBCBE1}">
               <a14:hiddenEffects xmlns:a14="http://schemas.microsoft.com/office/drawing/2010/main">
                 <a:effectLst>
                   <a:outerShdw dist="35921" dir="2700000" algn="ctr" rotWithShape="0">
@@ -30725,14 +30737,14 @@
             <a:noFill/>
           </a:ln>
           <a:extLst>
-            <a:ext uri="{909E8E84-426E-40DD-AFC4-6F175D3DCCD1}">
+            <a:ext uri="{909E8E84-426E-40dd-AFC4-6F175D3DCCD1}">
               <a14:hiddenFill xmlns:a14="http://schemas.microsoft.com/office/drawing/2010/main">
                 <a:solidFill>
                   <a:srgbClr val="FFFFFF"/>
                 </a:solidFill>
               </a14:hiddenFill>
             </a:ext>
-            <a:ext uri="{91240B29-F687-4F45-9708-019B960494DF}">
+            <a:ext uri="{91240B29-F687-4f45-9708-019B960494DF}">
               <a14:hiddenLine xmlns:a14="http://schemas.microsoft.com/office/drawing/2010/main" w="9525">
                 <a:solidFill>
                   <a:srgbClr val="000000"/>
@@ -30876,14 +30888,14 @@
             <a:noFill/>
           </a:ln>
           <a:extLst>
-            <a:ext uri="{909E8E84-426E-40DD-AFC4-6F175D3DCCD1}">
+            <a:ext uri="{909E8E84-426E-40dd-AFC4-6F175D3DCCD1}">
               <a14:hiddenFill xmlns:a14="http://schemas.microsoft.com/office/drawing/2010/main">
                 <a:solidFill>
                   <a:srgbClr val="FFFFFF"/>
                 </a:solidFill>
               </a14:hiddenFill>
             </a:ext>
-            <a:ext uri="{91240B29-F687-4F45-9708-019B960494DF}">
+            <a:ext uri="{91240B29-F687-4f45-9708-019B960494DF}">
               <a14:hiddenLine xmlns:a14="http://schemas.microsoft.com/office/drawing/2010/main" w="9525">
                 <a:solidFill>
                   <a:srgbClr val="000000"/>
@@ -31039,14 +31051,14 @@
             <a:noFill/>
           </a:ln>
           <a:extLst>
-            <a:ext uri="{909E8E84-426E-40DD-AFC4-6F175D3DCCD1}">
+            <a:ext uri="{909E8E84-426E-40dd-AFC4-6F175D3DCCD1}">
               <a14:hiddenFill xmlns:a14="http://schemas.microsoft.com/office/drawing/2010/main">
                 <a:solidFill>
                   <a:srgbClr val="FFFFFF"/>
                 </a:solidFill>
               </a14:hiddenFill>
             </a:ext>
-            <a:ext uri="{91240B29-F687-4F45-9708-019B960494DF}">
+            <a:ext uri="{91240B29-F687-4f45-9708-019B960494DF}">
               <a14:hiddenLine xmlns:a14="http://schemas.microsoft.com/office/drawing/2010/main" w="9525">
                 <a:solidFill>
                   <a:srgbClr val="000000"/>
@@ -31202,14 +31214,14 @@
             <a:noFill/>
           </a:ln>
           <a:extLst>
-            <a:ext uri="{909E8E84-426E-40DD-AFC4-6F175D3DCCD1}">
+            <a:ext uri="{909E8E84-426E-40dd-AFC4-6F175D3DCCD1}">
               <a14:hiddenFill xmlns:a14="http://schemas.microsoft.com/office/drawing/2010/main">
                 <a:solidFill>
                   <a:srgbClr val="FFFFFF"/>
                 </a:solidFill>
               </a14:hiddenFill>
             </a:ext>
-            <a:ext uri="{91240B29-F687-4F45-9708-019B960494DF}">
+            <a:ext uri="{91240B29-F687-4f45-9708-019B960494DF}">
               <a14:hiddenLine xmlns:a14="http://schemas.microsoft.com/office/drawing/2010/main" w="9525">
                 <a:solidFill>
                   <a:srgbClr val="000000"/>
@@ -31365,14 +31377,14 @@
             <a:noFill/>
           </a:ln>
           <a:extLst>
-            <a:ext uri="{909E8E84-426E-40DD-AFC4-6F175D3DCCD1}">
+            <a:ext uri="{909E8E84-426E-40dd-AFC4-6F175D3DCCD1}">
               <a14:hiddenFill xmlns:a14="http://schemas.microsoft.com/office/drawing/2010/main">
                 <a:solidFill>
                   <a:srgbClr val="FFFFFF"/>
                 </a:solidFill>
               </a14:hiddenFill>
             </a:ext>
-            <a:ext uri="{91240B29-F687-4F45-9708-019B960494DF}">
+            <a:ext uri="{91240B29-F687-4f45-9708-019B960494DF}">
               <a14:hiddenLine xmlns:a14="http://schemas.microsoft.com/office/drawing/2010/main" w="9525">
                 <a:solidFill>
                   <a:srgbClr val="000000"/>
@@ -31522,14 +31534,14 @@
           </a:ln>
           <a:effectLst/>
           <a:extLst>
-            <a:ext uri="{909E8E84-426E-40DD-AFC4-6F175D3DCCD1}">
+            <a:ext uri="{909E8E84-426E-40dd-AFC4-6F175D3DCCD1}">
               <a14:hiddenFill xmlns:a14="http://schemas.microsoft.com/office/drawing/2010/main">
                 <a:solidFill>
                   <a:schemeClr val="accent1"/>
                 </a:solidFill>
               </a14:hiddenFill>
             </a:ext>
-            <a:ext uri="{AF507438-7753-43E0-B8FC-AC1667EBCBE1}">
+            <a:ext uri="{AF507438-7753-43e0-B8FC-AC1667EBCBE1}">
               <a14:hiddenEffects xmlns:a14="http://schemas.microsoft.com/office/drawing/2010/main">
                 <a:effectLst>
                   <a:outerShdw dist="35921" dir="2700000" algn="ctr" rotWithShape="0">
@@ -31668,14 +31680,14 @@
             <a:noFill/>
           </a:ln>
           <a:extLst>
-            <a:ext uri="{909E8E84-426E-40DD-AFC4-6F175D3DCCD1}">
+            <a:ext uri="{909E8E84-426E-40dd-AFC4-6F175D3DCCD1}">
               <a14:hiddenFill xmlns:a14="http://schemas.microsoft.com/office/drawing/2010/main">
                 <a:solidFill>
                   <a:srgbClr val="FFFFFF"/>
                 </a:solidFill>
               </a14:hiddenFill>
             </a:ext>
-            <a:ext uri="{91240B29-F687-4F45-9708-019B960494DF}">
+            <a:ext uri="{91240B29-F687-4f45-9708-019B960494DF}">
               <a14:hiddenLine xmlns:a14="http://schemas.microsoft.com/office/drawing/2010/main" w="9525">
                 <a:solidFill>
                   <a:srgbClr val="000000"/>
@@ -31823,7 +31835,7 @@
   <p:timing>
     <p:tnLst>
       <p:par>
-        <p:cTn id="1" dur="indefinite" restart="never" nodeType="tmRoot"/>
+        <p:cTn xmlns:p14="http://schemas.microsoft.com/office/powerpoint/2010/main" id="1" dur="indefinite" restart="never" nodeType="tmRoot"/>
       </p:par>
     </p:tnLst>
   </p:timing>
@@ -31995,14 +32007,14 @@
           </a:ln>
           <a:effectLst/>
           <a:extLst>
-            <a:ext uri="{909E8E84-426E-40DD-AFC4-6F175D3DCCD1}">
+            <a:ext uri="{909E8E84-426E-40dd-AFC4-6F175D3DCCD1}">
               <a14:hiddenFill xmlns:a14="http://schemas.microsoft.com/office/drawing/2010/main">
                 <a:solidFill>
                   <a:schemeClr val="accent1"/>
                 </a:solidFill>
               </a14:hiddenFill>
             </a:ext>
-            <a:ext uri="{AF507438-7753-43E0-B8FC-AC1667EBCBE1}">
+            <a:ext uri="{AF507438-7753-43e0-B8FC-AC1667EBCBE1}">
               <a14:hiddenEffects xmlns:a14="http://schemas.microsoft.com/office/drawing/2010/main">
                 <a:effectLst>
                   <a:outerShdw dist="35921" dir="2700000" algn="ctr" rotWithShape="0">
@@ -32147,14 +32159,14 @@
           </a:ln>
           <a:effectLst/>
           <a:extLst>
-            <a:ext uri="{909E8E84-426E-40DD-AFC4-6F175D3DCCD1}">
+            <a:ext uri="{909E8E84-426E-40dd-AFC4-6F175D3DCCD1}">
               <a14:hiddenFill xmlns:a14="http://schemas.microsoft.com/office/drawing/2010/main">
                 <a:solidFill>
                   <a:schemeClr val="accent1"/>
                 </a:solidFill>
               </a14:hiddenFill>
             </a:ext>
-            <a:ext uri="{AF507438-7753-43E0-B8FC-AC1667EBCBE1}">
+            <a:ext uri="{AF507438-7753-43e0-B8FC-AC1667EBCBE1}">
               <a14:hiddenEffects xmlns:a14="http://schemas.microsoft.com/office/drawing/2010/main">
                 <a:effectLst>
                   <a:outerShdw dist="35921" dir="2700000" algn="ctr" rotWithShape="0">
@@ -32293,14 +32305,14 @@
             <a:noFill/>
           </a:ln>
           <a:extLst>
-            <a:ext uri="{909E8E84-426E-40DD-AFC4-6F175D3DCCD1}">
+            <a:ext uri="{909E8E84-426E-40dd-AFC4-6F175D3DCCD1}">
               <a14:hiddenFill xmlns:a14="http://schemas.microsoft.com/office/drawing/2010/main">
                 <a:solidFill>
                   <a:srgbClr val="FFFFFF"/>
                 </a:solidFill>
               </a14:hiddenFill>
             </a:ext>
-            <a:ext uri="{91240B29-F687-4F45-9708-019B960494DF}">
+            <a:ext uri="{91240B29-F687-4f45-9708-019B960494DF}">
               <a14:hiddenLine xmlns:a14="http://schemas.microsoft.com/office/drawing/2010/main" w="9525">
                 <a:solidFill>
                   <a:srgbClr val="000000"/>
@@ -32444,14 +32456,14 @@
             <a:noFill/>
           </a:ln>
           <a:extLst>
-            <a:ext uri="{909E8E84-426E-40DD-AFC4-6F175D3DCCD1}">
+            <a:ext uri="{909E8E84-426E-40dd-AFC4-6F175D3DCCD1}">
               <a14:hiddenFill xmlns:a14="http://schemas.microsoft.com/office/drawing/2010/main">
                 <a:solidFill>
                   <a:srgbClr val="FFFFFF"/>
                 </a:solidFill>
               </a14:hiddenFill>
             </a:ext>
-            <a:ext uri="{91240B29-F687-4F45-9708-019B960494DF}">
+            <a:ext uri="{91240B29-F687-4f45-9708-019B960494DF}">
               <a14:hiddenLine xmlns:a14="http://schemas.microsoft.com/office/drawing/2010/main" w="9525">
                 <a:solidFill>
                   <a:srgbClr val="000000"/>
@@ -32595,14 +32607,14 @@
             <a:noFill/>
           </a:ln>
           <a:extLst>
-            <a:ext uri="{909E8E84-426E-40DD-AFC4-6F175D3DCCD1}">
+            <a:ext uri="{909E8E84-426E-40dd-AFC4-6F175D3DCCD1}">
               <a14:hiddenFill xmlns:a14="http://schemas.microsoft.com/office/drawing/2010/main">
                 <a:solidFill>
                   <a:srgbClr val="FFFFFF"/>
                 </a:solidFill>
               </a14:hiddenFill>
             </a:ext>
-            <a:ext uri="{91240B29-F687-4F45-9708-019B960494DF}">
+            <a:ext uri="{91240B29-F687-4f45-9708-019B960494DF}">
               <a14:hiddenLine xmlns:a14="http://schemas.microsoft.com/office/drawing/2010/main" w="9525">
                 <a:solidFill>
                   <a:srgbClr val="000000"/>
@@ -32752,12 +32764,12 @@
           </a:ln>
           <a:effectLst/>
           <a:extLst>
-            <a:ext uri="{909E8E84-426E-40DD-AFC4-6F175D3DCCD1}">
+            <a:ext uri="{909E8E84-426E-40dd-AFC4-6F175D3DCCD1}">
               <a14:hiddenFill xmlns:a14="http://schemas.microsoft.com/office/drawing/2010/main">
                 <a:noFill/>
               </a14:hiddenFill>
             </a:ext>
-            <a:ext uri="{AF507438-7753-43E0-B8FC-AC1667EBCBE1}">
+            <a:ext uri="{AF507438-7753-43e0-B8FC-AC1667EBCBE1}">
               <a14:hiddenEffects xmlns:a14="http://schemas.microsoft.com/office/drawing/2010/main">
                 <a:effectLst>
                   <a:outerShdw dist="35921" dir="2700000" algn="ctr" rotWithShape="0">
@@ -32796,12 +32808,12 @@
           </a:ln>
           <a:effectLst/>
           <a:extLst>
-            <a:ext uri="{909E8E84-426E-40DD-AFC4-6F175D3DCCD1}">
+            <a:ext uri="{909E8E84-426E-40dd-AFC4-6F175D3DCCD1}">
               <a14:hiddenFill xmlns:a14="http://schemas.microsoft.com/office/drawing/2010/main">
                 <a:noFill/>
               </a14:hiddenFill>
             </a:ext>
-            <a:ext uri="{AF507438-7753-43E0-B8FC-AC1667EBCBE1}">
+            <a:ext uri="{AF507438-7753-43e0-B8FC-AC1667EBCBE1}">
               <a14:hiddenEffects xmlns:a14="http://schemas.microsoft.com/office/drawing/2010/main">
                 <a:effectLst>
                   <a:outerShdw dist="35921" dir="2700000" algn="ctr" rotWithShape="0">
@@ -32834,14 +32846,14 @@
             <a:noFill/>
           </a:ln>
           <a:extLst>
-            <a:ext uri="{909E8E84-426E-40DD-AFC4-6F175D3DCCD1}">
+            <a:ext uri="{909E8E84-426E-40dd-AFC4-6F175D3DCCD1}">
               <a14:hiddenFill xmlns:a14="http://schemas.microsoft.com/office/drawing/2010/main">
                 <a:solidFill>
                   <a:srgbClr val="FFFFFF"/>
                 </a:solidFill>
               </a14:hiddenFill>
             </a:ext>
-            <a:ext uri="{91240B29-F687-4F45-9708-019B960494DF}">
+            <a:ext uri="{91240B29-F687-4f45-9708-019B960494DF}">
               <a14:hiddenLine xmlns:a14="http://schemas.microsoft.com/office/drawing/2010/main" w="9525">
                 <a:solidFill>
                   <a:srgbClr val="000000"/>
@@ -32991,12 +33003,12 @@
           </a:ln>
           <a:effectLst/>
           <a:extLst>
-            <a:ext uri="{909E8E84-426E-40DD-AFC4-6F175D3DCCD1}">
+            <a:ext uri="{909E8E84-426E-40dd-AFC4-6F175D3DCCD1}">
               <a14:hiddenFill xmlns:a14="http://schemas.microsoft.com/office/drawing/2010/main">
                 <a:noFill/>
               </a14:hiddenFill>
             </a:ext>
-            <a:ext uri="{AF507438-7753-43E0-B8FC-AC1667EBCBE1}">
+            <a:ext uri="{AF507438-7753-43e0-B8FC-AC1667EBCBE1}">
               <a14:hiddenEffects xmlns:a14="http://schemas.microsoft.com/office/drawing/2010/main">
                 <a:effectLst>
                   <a:outerShdw dist="35921" dir="2700000" algn="ctr" rotWithShape="0">
@@ -33029,14 +33041,14 @@
             <a:noFill/>
           </a:ln>
           <a:extLst>
-            <a:ext uri="{909E8E84-426E-40DD-AFC4-6F175D3DCCD1}">
+            <a:ext uri="{909E8E84-426E-40dd-AFC4-6F175D3DCCD1}">
               <a14:hiddenFill xmlns:a14="http://schemas.microsoft.com/office/drawing/2010/main">
                 <a:solidFill>
                   <a:srgbClr val="FFFFFF"/>
                 </a:solidFill>
               </a14:hiddenFill>
             </a:ext>
-            <a:ext uri="{91240B29-F687-4F45-9708-019B960494DF}">
+            <a:ext uri="{91240B29-F687-4f45-9708-019B960494DF}">
               <a14:hiddenLine xmlns:a14="http://schemas.microsoft.com/office/drawing/2010/main" w="9525">
                 <a:solidFill>
                   <a:srgbClr val="000000"/>
@@ -33180,14 +33192,14 @@
             <a:noFill/>
           </a:ln>
           <a:extLst>
-            <a:ext uri="{909E8E84-426E-40DD-AFC4-6F175D3DCCD1}">
+            <a:ext uri="{909E8E84-426E-40dd-AFC4-6F175D3DCCD1}">
               <a14:hiddenFill xmlns:a14="http://schemas.microsoft.com/office/drawing/2010/main">
                 <a:solidFill>
                   <a:srgbClr val="FFFFFF"/>
                 </a:solidFill>
               </a14:hiddenFill>
             </a:ext>
-            <a:ext uri="{91240B29-F687-4F45-9708-019B960494DF}">
+            <a:ext uri="{91240B29-F687-4f45-9708-019B960494DF}">
               <a14:hiddenLine xmlns:a14="http://schemas.microsoft.com/office/drawing/2010/main" w="9525">
                 <a:solidFill>
                   <a:srgbClr val="000000"/>
@@ -33331,14 +33343,14 @@
             <a:noFill/>
           </a:ln>
           <a:extLst>
-            <a:ext uri="{909E8E84-426E-40DD-AFC4-6F175D3DCCD1}">
+            <a:ext uri="{909E8E84-426E-40dd-AFC4-6F175D3DCCD1}">
               <a14:hiddenFill xmlns:a14="http://schemas.microsoft.com/office/drawing/2010/main">
                 <a:solidFill>
                   <a:srgbClr val="FFFFFF"/>
                 </a:solidFill>
               </a14:hiddenFill>
             </a:ext>
-            <a:ext uri="{91240B29-F687-4F45-9708-019B960494DF}">
+            <a:ext uri="{91240B29-F687-4f45-9708-019B960494DF}">
               <a14:hiddenLine xmlns:a14="http://schemas.microsoft.com/office/drawing/2010/main" w="9525">
                 <a:solidFill>
                   <a:srgbClr val="000000"/>
@@ -33494,12 +33506,12 @@
           </a:ln>
           <a:effectLst/>
           <a:extLst>
-            <a:ext uri="{909E8E84-426E-40DD-AFC4-6F175D3DCCD1}">
+            <a:ext uri="{909E8E84-426E-40dd-AFC4-6F175D3DCCD1}">
               <a14:hiddenFill xmlns:a14="http://schemas.microsoft.com/office/drawing/2010/main">
                 <a:noFill/>
               </a14:hiddenFill>
             </a:ext>
-            <a:ext uri="{AF507438-7753-43E0-B8FC-AC1667EBCBE1}">
+            <a:ext uri="{AF507438-7753-43e0-B8FC-AC1667EBCBE1}">
               <a14:hiddenEffects xmlns:a14="http://schemas.microsoft.com/office/drawing/2010/main">
                 <a:effectLst>
                   <a:outerShdw dist="35921" dir="2700000" algn="ctr" rotWithShape="0">
@@ -33532,14 +33544,14 @@
             <a:noFill/>
           </a:ln>
           <a:extLst>
-            <a:ext uri="{909E8E84-426E-40DD-AFC4-6F175D3DCCD1}">
+            <a:ext uri="{909E8E84-426E-40dd-AFC4-6F175D3DCCD1}">
               <a14:hiddenFill xmlns:a14="http://schemas.microsoft.com/office/drawing/2010/main">
                 <a:solidFill>
                   <a:srgbClr val="FFFFFF"/>
                 </a:solidFill>
               </a14:hiddenFill>
             </a:ext>
-            <a:ext uri="{91240B29-F687-4F45-9708-019B960494DF}">
+            <a:ext uri="{91240B29-F687-4f45-9708-019B960494DF}">
               <a14:hiddenLine xmlns:a14="http://schemas.microsoft.com/office/drawing/2010/main" w="9525">
                 <a:solidFill>
                   <a:srgbClr val="000000"/>
@@ -33682,14 +33694,14 @@
             <a:noFill/>
           </a:ln>
           <a:extLst>
-            <a:ext uri="{909E8E84-426E-40DD-AFC4-6F175D3DCCD1}">
+            <a:ext uri="{909E8E84-426E-40dd-AFC4-6F175D3DCCD1}">
               <a14:hiddenFill xmlns:a14="http://schemas.microsoft.com/office/drawing/2010/main">
                 <a:solidFill>
                   <a:srgbClr val="FFFFFF"/>
                 </a:solidFill>
               </a14:hiddenFill>
             </a:ext>
-            <a:ext uri="{91240B29-F687-4F45-9708-019B960494DF}">
+            <a:ext uri="{91240B29-F687-4f45-9708-019B960494DF}">
               <a14:hiddenLine xmlns:a14="http://schemas.microsoft.com/office/drawing/2010/main" w="9525">
                 <a:solidFill>
                   <a:srgbClr val="000000"/>
@@ -33839,12 +33851,12 @@
           </a:ln>
           <a:effectLst/>
           <a:extLst>
-            <a:ext uri="{909E8E84-426E-40DD-AFC4-6F175D3DCCD1}">
+            <a:ext uri="{909E8E84-426E-40dd-AFC4-6F175D3DCCD1}">
               <a14:hiddenFill xmlns:a14="http://schemas.microsoft.com/office/drawing/2010/main">
                 <a:noFill/>
               </a14:hiddenFill>
             </a:ext>
-            <a:ext uri="{AF507438-7753-43E0-B8FC-AC1667EBCBE1}">
+            <a:ext uri="{AF507438-7753-43e0-B8FC-AC1667EBCBE1}">
               <a14:hiddenEffects xmlns:a14="http://schemas.microsoft.com/office/drawing/2010/main">
                 <a:effectLst>
                   <a:outerShdw dist="35921" dir="2700000" algn="ctr" rotWithShape="0">
@@ -33878,14 +33890,14 @@
           </a:ln>
           <a:effectLst/>
           <a:extLst>
-            <a:ext uri="{909E8E84-426E-40DD-AFC4-6F175D3DCCD1}">
+            <a:ext uri="{909E8E84-426E-40dd-AFC4-6F175D3DCCD1}">
               <a14:hiddenFill xmlns:a14="http://schemas.microsoft.com/office/drawing/2010/main">
                 <a:solidFill>
                   <a:schemeClr val="accent1"/>
                 </a:solidFill>
               </a14:hiddenFill>
             </a:ext>
-            <a:ext uri="{91240B29-F687-4F45-9708-019B960494DF}">
+            <a:ext uri="{91240B29-F687-4f45-9708-019B960494DF}">
               <a14:hiddenLine xmlns:a14="http://schemas.microsoft.com/office/drawing/2010/main" w="9525" algn="ctr">
                 <a:solidFill>
                   <a:srgbClr val="000000"/>
@@ -33895,7 +33907,7 @@
                 <a:tailEnd/>
               </a14:hiddenLine>
             </a:ext>
-            <a:ext uri="{AF507438-7753-43E0-B8FC-AC1667EBCBE1}">
+            <a:ext uri="{AF507438-7753-43e0-B8FC-AC1667EBCBE1}">
               <a14:hiddenEffects xmlns:a14="http://schemas.microsoft.com/office/drawing/2010/main">
                 <a:effectLst>
                   <a:outerShdw dist="35921" dir="2700000" algn="ctr" rotWithShape="0">
@@ -34044,14 +34056,14 @@
           </a:ln>
           <a:effectLst/>
           <a:extLst>
-            <a:ext uri="{909E8E84-426E-40DD-AFC4-6F175D3DCCD1}">
+            <a:ext uri="{909E8E84-426E-40dd-AFC4-6F175D3DCCD1}">
               <a14:hiddenFill xmlns:a14="http://schemas.microsoft.com/office/drawing/2010/main">
                 <a:solidFill>
                   <a:schemeClr val="accent1"/>
                 </a:solidFill>
               </a14:hiddenFill>
             </a:ext>
-            <a:ext uri="{AF507438-7753-43E0-B8FC-AC1667EBCBE1}">
+            <a:ext uri="{AF507438-7753-43e0-B8FC-AC1667EBCBE1}">
               <a14:hiddenEffects xmlns:a14="http://schemas.microsoft.com/office/drawing/2010/main">
                 <a:effectLst>
                   <a:outerShdw dist="35921" dir="2700000" algn="ctr" rotWithShape="0">
@@ -34196,12 +34208,12 @@
           </a:ln>
           <a:effectLst/>
           <a:extLst>
-            <a:ext uri="{909E8E84-426E-40DD-AFC4-6F175D3DCCD1}">
+            <a:ext uri="{909E8E84-426E-40dd-AFC4-6F175D3DCCD1}">
               <a14:hiddenFill xmlns:a14="http://schemas.microsoft.com/office/drawing/2010/main">
                 <a:noFill/>
               </a14:hiddenFill>
             </a:ext>
-            <a:ext uri="{AF507438-7753-43E0-B8FC-AC1667EBCBE1}">
+            <a:ext uri="{AF507438-7753-43e0-B8FC-AC1667EBCBE1}">
               <a14:hiddenEffects xmlns:a14="http://schemas.microsoft.com/office/drawing/2010/main">
                 <a:effectLst>
                   <a:outerShdw dist="35921" dir="2700000" algn="ctr" rotWithShape="0">
@@ -34226,7 +34238,7 @@
   <p:timing>
     <p:tnLst>
       <p:par>
-        <p:cTn id="1" dur="indefinite" restart="never" nodeType="tmRoot"/>
+        <p:cTn xmlns:p14="http://schemas.microsoft.com/office/powerpoint/2010/main" id="1" dur="indefinite" restart="never" nodeType="tmRoot"/>
       </p:par>
     </p:tnLst>
   </p:timing>
@@ -34271,14 +34283,14 @@
             <a:noFill/>
           </a:ln>
           <a:extLst>
-            <a:ext uri="{909E8E84-426E-40DD-AFC4-6F175D3DCCD1}">
+            <a:ext uri="{909E8E84-426E-40dd-AFC4-6F175D3DCCD1}">
               <a14:hiddenFill xmlns:a14="http://schemas.microsoft.com/office/drawing/2010/main">
                 <a:solidFill>
                   <a:srgbClr val="FFFFFF"/>
                 </a:solidFill>
               </a14:hiddenFill>
             </a:ext>
-            <a:ext uri="{91240B29-F687-4F45-9708-019B960494DF}">
+            <a:ext uri="{91240B29-F687-4f45-9708-019B960494DF}">
               <a14:hiddenLine xmlns:a14="http://schemas.microsoft.com/office/drawing/2010/main" w="9525">
                 <a:solidFill>
                   <a:srgbClr val="000000"/>
@@ -34421,14 +34433,14 @@
             <a:noFill/>
           </a:ln>
           <a:extLst>
-            <a:ext uri="{909E8E84-426E-40DD-AFC4-6F175D3DCCD1}">
+            <a:ext uri="{909E8E84-426E-40dd-AFC4-6F175D3DCCD1}">
               <a14:hiddenFill xmlns:a14="http://schemas.microsoft.com/office/drawing/2010/main">
                 <a:solidFill>
                   <a:srgbClr val="FFFFFF"/>
                 </a:solidFill>
               </a14:hiddenFill>
             </a:ext>
-            <a:ext uri="{91240B29-F687-4F45-9708-019B960494DF}">
+            <a:ext uri="{91240B29-F687-4f45-9708-019B960494DF}">
               <a14:hiddenLine xmlns:a14="http://schemas.microsoft.com/office/drawing/2010/main" w="9525">
                 <a:solidFill>
                   <a:srgbClr val="000000"/>
@@ -34571,14 +34583,14 @@
             <a:noFill/>
           </a:ln>
           <a:extLst>
-            <a:ext uri="{909E8E84-426E-40DD-AFC4-6F175D3DCCD1}">
+            <a:ext uri="{909E8E84-426E-40dd-AFC4-6F175D3DCCD1}">
               <a14:hiddenFill xmlns:a14="http://schemas.microsoft.com/office/drawing/2010/main">
                 <a:solidFill>
                   <a:srgbClr val="FFFFFF"/>
                 </a:solidFill>
               </a14:hiddenFill>
             </a:ext>
-            <a:ext uri="{91240B29-F687-4F45-9708-019B960494DF}">
+            <a:ext uri="{91240B29-F687-4f45-9708-019B960494DF}">
               <a14:hiddenLine xmlns:a14="http://schemas.microsoft.com/office/drawing/2010/main" w="9525">
                 <a:solidFill>
                   <a:srgbClr val="000000"/>
@@ -34721,14 +34733,14 @@
             <a:noFill/>
           </a:ln>
           <a:extLst>
-            <a:ext uri="{909E8E84-426E-40DD-AFC4-6F175D3DCCD1}">
+            <a:ext uri="{909E8E84-426E-40dd-AFC4-6F175D3DCCD1}">
               <a14:hiddenFill xmlns:a14="http://schemas.microsoft.com/office/drawing/2010/main">
                 <a:solidFill>
                   <a:srgbClr val="FFFFFF"/>
                 </a:solidFill>
               </a14:hiddenFill>
             </a:ext>
-            <a:ext uri="{91240B29-F687-4F45-9708-019B960494DF}">
+            <a:ext uri="{91240B29-F687-4f45-9708-019B960494DF}">
               <a14:hiddenLine xmlns:a14="http://schemas.microsoft.com/office/drawing/2010/main" w="9525">
                 <a:solidFill>
                   <a:srgbClr val="000000"/>
@@ -34872,14 +34884,14 @@
             <a:noFill/>
           </a:ln>
           <a:extLst>
-            <a:ext uri="{909E8E84-426E-40DD-AFC4-6F175D3DCCD1}">
+            <a:ext uri="{909E8E84-426E-40dd-AFC4-6F175D3DCCD1}">
               <a14:hiddenFill xmlns:a14="http://schemas.microsoft.com/office/drawing/2010/main">
                 <a:solidFill>
                   <a:srgbClr val="FFFFFF"/>
                 </a:solidFill>
               </a14:hiddenFill>
             </a:ext>
-            <a:ext uri="{91240B29-F687-4F45-9708-019B960494DF}">
+            <a:ext uri="{91240B29-F687-4f45-9708-019B960494DF}">
               <a14:hiddenLine xmlns:a14="http://schemas.microsoft.com/office/drawing/2010/main" w="9525">
                 <a:solidFill>
                   <a:srgbClr val="000000"/>
@@ -35023,14 +35035,14 @@
             <a:noFill/>
           </a:ln>
           <a:extLst>
-            <a:ext uri="{909E8E84-426E-40DD-AFC4-6F175D3DCCD1}">
+            <a:ext uri="{909E8E84-426E-40dd-AFC4-6F175D3DCCD1}">
               <a14:hiddenFill xmlns:a14="http://schemas.microsoft.com/office/drawing/2010/main">
                 <a:solidFill>
                   <a:srgbClr val="FFFFFF"/>
                 </a:solidFill>
               </a14:hiddenFill>
             </a:ext>
-            <a:ext uri="{91240B29-F687-4F45-9708-019B960494DF}">
+            <a:ext uri="{91240B29-F687-4f45-9708-019B960494DF}">
               <a14:hiddenLine xmlns:a14="http://schemas.microsoft.com/office/drawing/2010/main" w="9525">
                 <a:solidFill>
                   <a:srgbClr val="000000"/>
@@ -35174,14 +35186,14 @@
             <a:noFill/>
           </a:ln>
           <a:extLst>
-            <a:ext uri="{909E8E84-426E-40DD-AFC4-6F175D3DCCD1}">
+            <a:ext uri="{909E8E84-426E-40dd-AFC4-6F175D3DCCD1}">
               <a14:hiddenFill xmlns:a14="http://schemas.microsoft.com/office/drawing/2010/main">
                 <a:solidFill>
                   <a:srgbClr val="FFFFFF"/>
                 </a:solidFill>
               </a14:hiddenFill>
             </a:ext>
-            <a:ext uri="{91240B29-F687-4F45-9708-019B960494DF}">
+            <a:ext uri="{91240B29-F687-4f45-9708-019B960494DF}">
               <a14:hiddenLine xmlns:a14="http://schemas.microsoft.com/office/drawing/2010/main" w="9525">
                 <a:solidFill>
                   <a:srgbClr val="000000"/>
@@ -35330,12 +35342,12 @@
           </a:ln>
           <a:effectLst/>
           <a:extLst>
-            <a:ext uri="{909E8E84-426E-40DD-AFC4-6F175D3DCCD1}">
+            <a:ext uri="{909E8E84-426E-40dd-AFC4-6F175D3DCCD1}">
               <a14:hiddenFill xmlns:a14="http://schemas.microsoft.com/office/drawing/2010/main">
                 <a:noFill/>
               </a14:hiddenFill>
             </a:ext>
-            <a:ext uri="{AF507438-7753-43E0-B8FC-AC1667EBCBE1}">
+            <a:ext uri="{AF507438-7753-43e0-B8FC-AC1667EBCBE1}">
               <a14:hiddenEffects xmlns:a14="http://schemas.microsoft.com/office/drawing/2010/main">
                 <a:effectLst>
                   <a:outerShdw dist="35921" dir="2700000" algn="ctr" rotWithShape="0">
@@ -35368,14 +35380,14 @@
             <a:noFill/>
           </a:ln>
           <a:extLst>
-            <a:ext uri="{909E8E84-426E-40DD-AFC4-6F175D3DCCD1}">
+            <a:ext uri="{909E8E84-426E-40dd-AFC4-6F175D3DCCD1}">
               <a14:hiddenFill xmlns:a14="http://schemas.microsoft.com/office/drawing/2010/main">
                 <a:solidFill>
                   <a:srgbClr val="FFFFFF"/>
                 </a:solidFill>
               </a14:hiddenFill>
             </a:ext>
-            <a:ext uri="{91240B29-F687-4F45-9708-019B960494DF}">
+            <a:ext uri="{91240B29-F687-4f45-9708-019B960494DF}">
               <a14:hiddenLine xmlns:a14="http://schemas.microsoft.com/office/drawing/2010/main" w="9525">
                 <a:solidFill>
                   <a:srgbClr val="000000"/>
@@ -35526,12 +35538,12 @@
           </a:ln>
           <a:effectLst/>
           <a:extLst>
-            <a:ext uri="{909E8E84-426E-40DD-AFC4-6F175D3DCCD1}">
+            <a:ext uri="{909E8E84-426E-40dd-AFC4-6F175D3DCCD1}">
               <a14:hiddenFill xmlns:a14="http://schemas.microsoft.com/office/drawing/2010/main">
                 <a:noFill/>
               </a14:hiddenFill>
             </a:ext>
-            <a:ext uri="{AF507438-7753-43E0-B8FC-AC1667EBCBE1}">
+            <a:ext uri="{AF507438-7753-43e0-B8FC-AC1667EBCBE1}">
               <a14:hiddenEffects xmlns:a14="http://schemas.microsoft.com/office/drawing/2010/main">
                 <a:effectLst>
                   <a:outerShdw dist="35921" dir="2700000" algn="ctr" rotWithShape="0">
@@ -35570,12 +35582,12 @@
           </a:ln>
           <a:effectLst/>
           <a:extLst>
-            <a:ext uri="{909E8E84-426E-40DD-AFC4-6F175D3DCCD1}">
+            <a:ext uri="{909E8E84-426E-40dd-AFC4-6F175D3DCCD1}">
               <a14:hiddenFill xmlns:a14="http://schemas.microsoft.com/office/drawing/2010/main">
                 <a:noFill/>
               </a14:hiddenFill>
             </a:ext>
-            <a:ext uri="{AF507438-7753-43E0-B8FC-AC1667EBCBE1}">
+            <a:ext uri="{AF507438-7753-43e0-B8FC-AC1667EBCBE1}">
               <a14:hiddenEffects xmlns:a14="http://schemas.microsoft.com/office/drawing/2010/main">
                 <a:effectLst>
                   <a:outerShdw dist="35921" dir="2700000" algn="ctr" rotWithShape="0">
@@ -35615,12 +35627,12 @@
           </a:ln>
           <a:effectLst/>
           <a:extLst>
-            <a:ext uri="{909E8E84-426E-40DD-AFC4-6F175D3DCCD1}">
+            <a:ext uri="{909E8E84-426E-40dd-AFC4-6F175D3DCCD1}">
               <a14:hiddenFill xmlns:a14="http://schemas.microsoft.com/office/drawing/2010/main">
                 <a:noFill/>
               </a14:hiddenFill>
             </a:ext>
-            <a:ext uri="{AF507438-7753-43E0-B8FC-AC1667EBCBE1}">
+            <a:ext uri="{AF507438-7753-43e0-B8FC-AC1667EBCBE1}">
               <a14:hiddenEffects xmlns:a14="http://schemas.microsoft.com/office/drawing/2010/main">
                 <a:effectLst>
                   <a:outerShdw dist="35921" dir="2700000" algn="ctr" rotWithShape="0">
@@ -35659,14 +35671,14 @@
           </a:ln>
           <a:effectLst/>
           <a:extLst>
-            <a:ext uri="{909E8E84-426E-40DD-AFC4-6F175D3DCCD1}">
+            <a:ext uri="{909E8E84-426E-40dd-AFC4-6F175D3DCCD1}">
               <a14:hiddenFill xmlns:a14="http://schemas.microsoft.com/office/drawing/2010/main">
                 <a:solidFill>
                   <a:schemeClr val="accent1"/>
                 </a:solidFill>
               </a14:hiddenFill>
             </a:ext>
-            <a:ext uri="{AF507438-7753-43E0-B8FC-AC1667EBCBE1}">
+            <a:ext uri="{AF507438-7753-43e0-B8FC-AC1667EBCBE1}">
               <a14:hiddenEffects xmlns:a14="http://schemas.microsoft.com/office/drawing/2010/main">
                 <a:effectLst>
                   <a:outerShdw dist="35921" dir="2700000" algn="ctr" rotWithShape="0">
@@ -35847,14 +35859,14 @@
           </a:ln>
           <a:effectLst/>
           <a:extLst>
-            <a:ext uri="{909E8E84-426E-40DD-AFC4-6F175D3DCCD1}">
+            <a:ext uri="{909E8E84-426E-40dd-AFC4-6F175D3DCCD1}">
               <a14:hiddenFill xmlns:a14="http://schemas.microsoft.com/office/drawing/2010/main">
                 <a:solidFill>
                   <a:schemeClr val="accent1"/>
                 </a:solidFill>
               </a14:hiddenFill>
             </a:ext>
-            <a:ext uri="{AF507438-7753-43E0-B8FC-AC1667EBCBE1}">
+            <a:ext uri="{AF507438-7753-43e0-B8FC-AC1667EBCBE1}">
               <a14:hiddenEffects xmlns:a14="http://schemas.microsoft.com/office/drawing/2010/main">
                 <a:effectLst>
                   <a:outerShdw dist="35921" dir="2700000" algn="ctr" rotWithShape="0">
@@ -35999,14 +36011,14 @@
           </a:ln>
           <a:effectLst/>
           <a:extLst>
-            <a:ext uri="{909E8E84-426E-40DD-AFC4-6F175D3DCCD1}">
+            <a:ext uri="{909E8E84-426E-40dd-AFC4-6F175D3DCCD1}">
               <a14:hiddenFill xmlns:a14="http://schemas.microsoft.com/office/drawing/2010/main">
                 <a:solidFill>
                   <a:schemeClr val="accent1"/>
                 </a:solidFill>
               </a14:hiddenFill>
             </a:ext>
-            <a:ext uri="{AF507438-7753-43E0-B8FC-AC1667EBCBE1}">
+            <a:ext uri="{AF507438-7753-43e0-B8FC-AC1667EBCBE1}">
               <a14:hiddenEffects xmlns:a14="http://schemas.microsoft.com/office/drawing/2010/main">
                 <a:effectLst>
                   <a:outerShdw dist="35921" dir="2700000" algn="ctr" rotWithShape="0">
@@ -36151,14 +36163,14 @@
           </a:ln>
           <a:effectLst/>
           <a:extLst>
-            <a:ext uri="{909E8E84-426E-40DD-AFC4-6F175D3DCCD1}">
+            <a:ext uri="{909E8E84-426E-40dd-AFC4-6F175D3DCCD1}">
               <a14:hiddenFill xmlns:a14="http://schemas.microsoft.com/office/drawing/2010/main">
                 <a:solidFill>
                   <a:schemeClr val="accent1"/>
                 </a:solidFill>
               </a14:hiddenFill>
             </a:ext>
-            <a:ext uri="{AF507438-7753-43E0-B8FC-AC1667EBCBE1}">
+            <a:ext uri="{AF507438-7753-43e0-B8FC-AC1667EBCBE1}">
               <a14:hiddenEffects xmlns:a14="http://schemas.microsoft.com/office/drawing/2010/main">
                 <a:effectLst>
                   <a:outerShdw dist="35921" dir="2700000" algn="ctr" rotWithShape="0">
@@ -36303,14 +36315,14 @@
           </a:ln>
           <a:effectLst/>
           <a:extLst>
-            <a:ext uri="{909E8E84-426E-40DD-AFC4-6F175D3DCCD1}">
+            <a:ext uri="{909E8E84-426E-40dd-AFC4-6F175D3DCCD1}">
               <a14:hiddenFill xmlns:a14="http://schemas.microsoft.com/office/drawing/2010/main">
                 <a:solidFill>
                   <a:schemeClr val="accent1"/>
                 </a:solidFill>
               </a14:hiddenFill>
             </a:ext>
-            <a:ext uri="{AF507438-7753-43E0-B8FC-AC1667EBCBE1}">
+            <a:ext uri="{AF507438-7753-43e0-B8FC-AC1667EBCBE1}">
               <a14:hiddenEffects xmlns:a14="http://schemas.microsoft.com/office/drawing/2010/main">
                 <a:effectLst>
                   <a:outerShdw dist="35921" dir="2700000" algn="ctr" rotWithShape="0">
@@ -36595,14 +36607,14 @@
             <a:noFill/>
           </a:ln>
           <a:extLst>
-            <a:ext uri="{909E8E84-426E-40DD-AFC4-6F175D3DCCD1}">
+            <a:ext uri="{909E8E84-426E-40dd-AFC4-6F175D3DCCD1}">
               <a14:hiddenFill xmlns:a14="http://schemas.microsoft.com/office/drawing/2010/main">
                 <a:solidFill>
                   <a:srgbClr val="FFFFFF"/>
                 </a:solidFill>
               </a14:hiddenFill>
             </a:ext>
-            <a:ext uri="{91240B29-F687-4F45-9708-019B960494DF}">
+            <a:ext uri="{91240B29-F687-4f45-9708-019B960494DF}">
               <a14:hiddenLine xmlns:a14="http://schemas.microsoft.com/office/drawing/2010/main" w="9525">
                 <a:solidFill>
                   <a:srgbClr val="000000"/>
@@ -36764,12 +36776,12 @@
           </a:ln>
           <a:effectLst/>
           <a:extLst>
-            <a:ext uri="{909E8E84-426E-40DD-AFC4-6F175D3DCCD1}">
+            <a:ext uri="{909E8E84-426E-40dd-AFC4-6F175D3DCCD1}">
               <a14:hiddenFill xmlns:a14="http://schemas.microsoft.com/office/drawing/2010/main">
                 <a:noFill/>
               </a14:hiddenFill>
             </a:ext>
-            <a:ext uri="{AF507438-7753-43E0-B8FC-AC1667EBCBE1}">
+            <a:ext uri="{AF507438-7753-43e0-B8FC-AC1667EBCBE1}">
               <a14:hiddenEffects xmlns:a14="http://schemas.microsoft.com/office/drawing/2010/main">
                 <a:effectLst>
                   <a:outerShdw dist="35921" dir="2700000" algn="ctr" rotWithShape="0">
@@ -36808,12 +36820,12 @@
           </a:ln>
           <a:effectLst/>
           <a:extLst>
-            <a:ext uri="{909E8E84-426E-40DD-AFC4-6F175D3DCCD1}">
+            <a:ext uri="{909E8E84-426E-40dd-AFC4-6F175D3DCCD1}">
               <a14:hiddenFill xmlns:a14="http://schemas.microsoft.com/office/drawing/2010/main">
                 <a:noFill/>
               </a14:hiddenFill>
             </a:ext>
-            <a:ext uri="{AF507438-7753-43E0-B8FC-AC1667EBCBE1}">
+            <a:ext uri="{AF507438-7753-43e0-B8FC-AC1667EBCBE1}">
               <a14:hiddenEffects xmlns:a14="http://schemas.microsoft.com/office/drawing/2010/main">
                 <a:effectLst>
                   <a:outerShdw dist="35921" dir="2700000" algn="ctr" rotWithShape="0">
@@ -36846,14 +36858,14 @@
             <a:noFill/>
           </a:ln>
           <a:extLst>
-            <a:ext uri="{909E8E84-426E-40DD-AFC4-6F175D3DCCD1}">
+            <a:ext uri="{909E8E84-426E-40dd-AFC4-6F175D3DCCD1}">
               <a14:hiddenFill xmlns:a14="http://schemas.microsoft.com/office/drawing/2010/main">
                 <a:solidFill>
                   <a:srgbClr val="FFFFFF"/>
                 </a:solidFill>
               </a14:hiddenFill>
             </a:ext>
-            <a:ext uri="{91240B29-F687-4F45-9708-019B960494DF}">
+            <a:ext uri="{91240B29-F687-4f45-9708-019B960494DF}">
               <a14:hiddenLine xmlns:a14="http://schemas.microsoft.com/office/drawing/2010/main" w="9525">
                 <a:solidFill>
                   <a:srgbClr val="000000"/>
@@ -37020,14 +37032,14 @@
           </a:ln>
           <a:effectLst/>
           <a:extLst>
-            <a:ext uri="{909E8E84-426E-40DD-AFC4-6F175D3DCCD1}">
+            <a:ext uri="{909E8E84-426E-40dd-AFC4-6F175D3DCCD1}">
               <a14:hiddenFill xmlns:a14="http://schemas.microsoft.com/office/drawing/2010/main">
                 <a:solidFill>
                   <a:schemeClr val="accent1"/>
                 </a:solidFill>
               </a14:hiddenFill>
             </a:ext>
-            <a:ext uri="{AF507438-7753-43E0-B8FC-AC1667EBCBE1}">
+            <a:ext uri="{AF507438-7753-43e0-B8FC-AC1667EBCBE1}">
               <a14:hiddenEffects xmlns:a14="http://schemas.microsoft.com/office/drawing/2010/main">
                 <a:effectLst>
                   <a:outerShdw dist="35921" dir="2700000" algn="ctr" rotWithShape="0">
@@ -37166,14 +37178,14 @@
             <a:noFill/>
           </a:ln>
           <a:extLst>
-            <a:ext uri="{909E8E84-426E-40DD-AFC4-6F175D3DCCD1}">
+            <a:ext uri="{909E8E84-426E-40dd-AFC4-6F175D3DCCD1}">
               <a14:hiddenFill xmlns:a14="http://schemas.microsoft.com/office/drawing/2010/main">
                 <a:solidFill>
                   <a:srgbClr val="FFFFFF"/>
                 </a:solidFill>
               </a14:hiddenFill>
             </a:ext>
-            <a:ext uri="{91240B29-F687-4F45-9708-019B960494DF}">
+            <a:ext uri="{91240B29-F687-4f45-9708-019B960494DF}">
               <a14:hiddenLine xmlns:a14="http://schemas.microsoft.com/office/drawing/2010/main" w="9525">
                 <a:solidFill>
                   <a:srgbClr val="000000"/>
@@ -37316,14 +37328,14 @@
             <a:noFill/>
           </a:ln>
           <a:extLst>
-            <a:ext uri="{909E8E84-426E-40DD-AFC4-6F175D3DCCD1}">
+            <a:ext uri="{909E8E84-426E-40dd-AFC4-6F175D3DCCD1}">
               <a14:hiddenFill xmlns:a14="http://schemas.microsoft.com/office/drawing/2010/main">
                 <a:solidFill>
                   <a:srgbClr val="FFFFFF"/>
                 </a:solidFill>
               </a14:hiddenFill>
             </a:ext>
-            <a:ext uri="{91240B29-F687-4F45-9708-019B960494DF}">
+            <a:ext uri="{91240B29-F687-4f45-9708-019B960494DF}">
               <a14:hiddenLine xmlns:a14="http://schemas.microsoft.com/office/drawing/2010/main" w="9525">
                 <a:solidFill>
                   <a:srgbClr val="000000"/>
@@ -37466,14 +37478,14 @@
             <a:noFill/>
           </a:ln>
           <a:extLst>
-            <a:ext uri="{909E8E84-426E-40DD-AFC4-6F175D3DCCD1}">
+            <a:ext uri="{909E8E84-426E-40dd-AFC4-6F175D3DCCD1}">
               <a14:hiddenFill xmlns:a14="http://schemas.microsoft.com/office/drawing/2010/main">
                 <a:solidFill>
                   <a:srgbClr val="FFFFFF"/>
                 </a:solidFill>
               </a14:hiddenFill>
             </a:ext>
-            <a:ext uri="{91240B29-F687-4F45-9708-019B960494DF}">
+            <a:ext uri="{91240B29-F687-4f45-9708-019B960494DF}">
               <a14:hiddenLine xmlns:a14="http://schemas.microsoft.com/office/drawing/2010/main" w="9525">
                 <a:solidFill>
                   <a:srgbClr val="000000"/>
@@ -37616,14 +37628,14 @@
             <a:noFill/>
           </a:ln>
           <a:extLst>
-            <a:ext uri="{909E8E84-426E-40DD-AFC4-6F175D3DCCD1}">
+            <a:ext uri="{909E8E84-426E-40dd-AFC4-6F175D3DCCD1}">
               <a14:hiddenFill xmlns:a14="http://schemas.microsoft.com/office/drawing/2010/main">
                 <a:solidFill>
                   <a:srgbClr val="FFFFFF"/>
                 </a:solidFill>
               </a14:hiddenFill>
             </a:ext>
-            <a:ext uri="{91240B29-F687-4F45-9708-019B960494DF}">
+            <a:ext uri="{91240B29-F687-4f45-9708-019B960494DF}">
               <a14:hiddenLine xmlns:a14="http://schemas.microsoft.com/office/drawing/2010/main" w="9525">
                 <a:solidFill>
                   <a:srgbClr val="000000"/>
@@ -37767,14 +37779,14 @@
             <a:noFill/>
           </a:ln>
           <a:extLst>
-            <a:ext uri="{909E8E84-426E-40DD-AFC4-6F175D3DCCD1}">
+            <a:ext uri="{909E8E84-426E-40dd-AFC4-6F175D3DCCD1}">
               <a14:hiddenFill xmlns:a14="http://schemas.microsoft.com/office/drawing/2010/main">
                 <a:solidFill>
                   <a:srgbClr val="FFFFFF"/>
                 </a:solidFill>
               </a14:hiddenFill>
             </a:ext>
-            <a:ext uri="{91240B29-F687-4F45-9708-019B960494DF}">
+            <a:ext uri="{91240B29-F687-4f45-9708-019B960494DF}">
               <a14:hiddenLine xmlns:a14="http://schemas.microsoft.com/office/drawing/2010/main" w="9525">
                 <a:solidFill>
                   <a:srgbClr val="000000"/>
@@ -37918,14 +37930,14 @@
             <a:noFill/>
           </a:ln>
           <a:extLst>
-            <a:ext uri="{909E8E84-426E-40DD-AFC4-6F175D3DCCD1}">
+            <a:ext uri="{909E8E84-426E-40dd-AFC4-6F175D3DCCD1}">
               <a14:hiddenFill xmlns:a14="http://schemas.microsoft.com/office/drawing/2010/main">
                 <a:solidFill>
                   <a:srgbClr val="FFFFFF"/>
                 </a:solidFill>
               </a14:hiddenFill>
             </a:ext>
-            <a:ext uri="{91240B29-F687-4F45-9708-019B960494DF}">
+            <a:ext uri="{91240B29-F687-4f45-9708-019B960494DF}">
               <a14:hiddenLine xmlns:a14="http://schemas.microsoft.com/office/drawing/2010/main" w="9525">
                 <a:solidFill>
                   <a:srgbClr val="000000"/>
@@ -38069,14 +38081,14 @@
             <a:noFill/>
           </a:ln>
           <a:extLst>
-            <a:ext uri="{909E8E84-426E-40DD-AFC4-6F175D3DCCD1}">
+            <a:ext uri="{909E8E84-426E-40dd-AFC4-6F175D3DCCD1}">
               <a14:hiddenFill xmlns:a14="http://schemas.microsoft.com/office/drawing/2010/main">
                 <a:solidFill>
                   <a:srgbClr val="FFFFFF"/>
                 </a:solidFill>
               </a14:hiddenFill>
             </a:ext>
-            <a:ext uri="{91240B29-F687-4F45-9708-019B960494DF}">
+            <a:ext uri="{91240B29-F687-4f45-9708-019B960494DF}">
               <a14:hiddenLine xmlns:a14="http://schemas.microsoft.com/office/drawing/2010/main" w="9525">
                 <a:solidFill>
                   <a:srgbClr val="000000"/>
@@ -38225,12 +38237,12 @@
           </a:ln>
           <a:effectLst/>
           <a:extLst>
-            <a:ext uri="{909E8E84-426E-40DD-AFC4-6F175D3DCCD1}">
+            <a:ext uri="{909E8E84-426E-40dd-AFC4-6F175D3DCCD1}">
               <a14:hiddenFill xmlns:a14="http://schemas.microsoft.com/office/drawing/2010/main">
                 <a:noFill/>
               </a14:hiddenFill>
             </a:ext>
-            <a:ext uri="{AF507438-7753-43E0-B8FC-AC1667EBCBE1}">
+            <a:ext uri="{AF507438-7753-43e0-B8FC-AC1667EBCBE1}">
               <a14:hiddenEffects xmlns:a14="http://schemas.microsoft.com/office/drawing/2010/main">
                 <a:effectLst>
                   <a:outerShdw dist="35921" dir="2700000" algn="ctr" rotWithShape="0">
@@ -38263,14 +38275,14 @@
             <a:noFill/>
           </a:ln>
           <a:extLst>
-            <a:ext uri="{909E8E84-426E-40DD-AFC4-6F175D3DCCD1}">
+            <a:ext uri="{909E8E84-426E-40dd-AFC4-6F175D3DCCD1}">
               <a14:hiddenFill xmlns:a14="http://schemas.microsoft.com/office/drawing/2010/main">
                 <a:solidFill>
                   <a:srgbClr val="FFFFFF"/>
                 </a:solidFill>
               </a14:hiddenFill>
             </a:ext>
-            <a:ext uri="{91240B29-F687-4F45-9708-019B960494DF}">
+            <a:ext uri="{91240B29-F687-4f45-9708-019B960494DF}">
               <a14:hiddenLine xmlns:a14="http://schemas.microsoft.com/office/drawing/2010/main" w="9525">
                 <a:solidFill>
                   <a:srgbClr val="000000"/>
@@ -38442,12 +38454,12 @@
           </a:ln>
           <a:effectLst/>
           <a:extLst>
-            <a:ext uri="{909E8E84-426E-40DD-AFC4-6F175D3DCCD1}">
+            <a:ext uri="{909E8E84-426E-40dd-AFC4-6F175D3DCCD1}">
               <a14:hiddenFill xmlns:a14="http://schemas.microsoft.com/office/drawing/2010/main">
                 <a:noFill/>
               </a14:hiddenFill>
             </a:ext>
-            <a:ext uri="{AF507438-7753-43E0-B8FC-AC1667EBCBE1}">
+            <a:ext uri="{AF507438-7753-43e0-B8FC-AC1667EBCBE1}">
               <a14:hiddenEffects xmlns:a14="http://schemas.microsoft.com/office/drawing/2010/main">
                 <a:effectLst>
                   <a:outerShdw dist="35921" dir="2700000" algn="ctr" rotWithShape="0">
@@ -38486,12 +38498,12 @@
           </a:ln>
           <a:effectLst/>
           <a:extLst>
-            <a:ext uri="{909E8E84-426E-40DD-AFC4-6F175D3DCCD1}">
+            <a:ext uri="{909E8E84-426E-40dd-AFC4-6F175D3DCCD1}">
               <a14:hiddenFill xmlns:a14="http://schemas.microsoft.com/office/drawing/2010/main">
                 <a:noFill/>
               </a14:hiddenFill>
             </a:ext>
-            <a:ext uri="{AF507438-7753-43E0-B8FC-AC1667EBCBE1}">
+            <a:ext uri="{AF507438-7753-43e0-B8FC-AC1667EBCBE1}">
               <a14:hiddenEffects xmlns:a14="http://schemas.microsoft.com/office/drawing/2010/main">
                 <a:effectLst>
                   <a:outerShdw dist="35921" dir="2700000" algn="ctr" rotWithShape="0">
@@ -38531,12 +38543,12 @@
           </a:ln>
           <a:effectLst/>
           <a:extLst>
-            <a:ext uri="{909E8E84-426E-40DD-AFC4-6F175D3DCCD1}">
+            <a:ext uri="{909E8E84-426E-40dd-AFC4-6F175D3DCCD1}">
               <a14:hiddenFill xmlns:a14="http://schemas.microsoft.com/office/drawing/2010/main">
                 <a:noFill/>
               </a14:hiddenFill>
             </a:ext>
-            <a:ext uri="{AF507438-7753-43E0-B8FC-AC1667EBCBE1}">
+            <a:ext uri="{AF507438-7753-43e0-B8FC-AC1667EBCBE1}">
               <a14:hiddenEffects xmlns:a14="http://schemas.microsoft.com/office/drawing/2010/main">
                 <a:effectLst>
                   <a:outerShdw dist="35921" dir="2700000" algn="ctr" rotWithShape="0">
@@ -38575,14 +38587,14 @@
           </a:ln>
           <a:effectLst/>
           <a:extLst>
-            <a:ext uri="{909E8E84-426E-40DD-AFC4-6F175D3DCCD1}">
+            <a:ext uri="{909E8E84-426E-40dd-AFC4-6F175D3DCCD1}">
               <a14:hiddenFill xmlns:a14="http://schemas.microsoft.com/office/drawing/2010/main">
                 <a:solidFill>
                   <a:schemeClr val="accent1"/>
                 </a:solidFill>
               </a14:hiddenFill>
             </a:ext>
-            <a:ext uri="{AF507438-7753-43E0-B8FC-AC1667EBCBE1}">
+            <a:ext uri="{AF507438-7753-43e0-B8FC-AC1667EBCBE1}">
               <a14:hiddenEffects xmlns:a14="http://schemas.microsoft.com/office/drawing/2010/main">
                 <a:effectLst>
                   <a:outerShdw dist="35921" dir="2700000" algn="ctr" rotWithShape="0">
@@ -38763,14 +38775,14 @@
           </a:ln>
           <a:effectLst/>
           <a:extLst>
-            <a:ext uri="{909E8E84-426E-40DD-AFC4-6F175D3DCCD1}">
+            <a:ext uri="{909E8E84-426E-40dd-AFC4-6F175D3DCCD1}">
               <a14:hiddenFill xmlns:a14="http://schemas.microsoft.com/office/drawing/2010/main">
                 <a:solidFill>
                   <a:schemeClr val="accent1"/>
                 </a:solidFill>
               </a14:hiddenFill>
             </a:ext>
-            <a:ext uri="{AF507438-7753-43E0-B8FC-AC1667EBCBE1}">
+            <a:ext uri="{AF507438-7753-43e0-B8FC-AC1667EBCBE1}">
               <a14:hiddenEffects xmlns:a14="http://schemas.microsoft.com/office/drawing/2010/main">
                 <a:effectLst>
                   <a:outerShdw dist="35921" dir="2700000" algn="ctr" rotWithShape="0">
@@ -38915,14 +38927,14 @@
           </a:ln>
           <a:effectLst/>
           <a:extLst>
-            <a:ext uri="{909E8E84-426E-40DD-AFC4-6F175D3DCCD1}">
+            <a:ext uri="{909E8E84-426E-40dd-AFC4-6F175D3DCCD1}">
               <a14:hiddenFill xmlns:a14="http://schemas.microsoft.com/office/drawing/2010/main">
                 <a:solidFill>
                   <a:schemeClr val="accent1"/>
                 </a:solidFill>
               </a14:hiddenFill>
             </a:ext>
-            <a:ext uri="{AF507438-7753-43E0-B8FC-AC1667EBCBE1}">
+            <a:ext uri="{AF507438-7753-43e0-B8FC-AC1667EBCBE1}">
               <a14:hiddenEffects xmlns:a14="http://schemas.microsoft.com/office/drawing/2010/main">
                 <a:effectLst>
                   <a:outerShdw dist="35921" dir="2700000" algn="ctr" rotWithShape="0">
@@ -39067,14 +39079,14 @@
           </a:ln>
           <a:effectLst/>
           <a:extLst>
-            <a:ext uri="{909E8E84-426E-40DD-AFC4-6F175D3DCCD1}">
+            <a:ext uri="{909E8E84-426E-40dd-AFC4-6F175D3DCCD1}">
               <a14:hiddenFill xmlns:a14="http://schemas.microsoft.com/office/drawing/2010/main">
                 <a:solidFill>
                   <a:schemeClr val="accent1"/>
                 </a:solidFill>
               </a14:hiddenFill>
             </a:ext>
-            <a:ext uri="{AF507438-7753-43E0-B8FC-AC1667EBCBE1}">
+            <a:ext uri="{AF507438-7753-43e0-B8FC-AC1667EBCBE1}">
               <a14:hiddenEffects xmlns:a14="http://schemas.microsoft.com/office/drawing/2010/main">
                 <a:effectLst>
                   <a:outerShdw dist="35921" dir="2700000" algn="ctr" rotWithShape="0">
@@ -39219,14 +39231,14 @@
           </a:ln>
           <a:effectLst/>
           <a:extLst>
-            <a:ext uri="{909E8E84-426E-40DD-AFC4-6F175D3DCCD1}">
+            <a:ext uri="{909E8E84-426E-40dd-AFC4-6F175D3DCCD1}">
               <a14:hiddenFill xmlns:a14="http://schemas.microsoft.com/office/drawing/2010/main">
                 <a:solidFill>
                   <a:schemeClr val="accent1"/>
                 </a:solidFill>
               </a14:hiddenFill>
             </a:ext>
-            <a:ext uri="{AF507438-7753-43E0-B8FC-AC1667EBCBE1}">
+            <a:ext uri="{AF507438-7753-43e0-B8FC-AC1667EBCBE1}">
               <a14:hiddenEffects xmlns:a14="http://schemas.microsoft.com/office/drawing/2010/main">
                 <a:effectLst>
                   <a:outerShdw dist="35921" dir="2700000" algn="ctr" rotWithShape="0">
@@ -39577,14 +39589,14 @@
           </a:ln>
           <a:effectLst/>
           <a:extLst>
-            <a:ext uri="{909E8E84-426E-40DD-AFC4-6F175D3DCCD1}">
+            <a:ext uri="{909E8E84-426E-40dd-AFC4-6F175D3DCCD1}">
               <a14:hiddenFill xmlns:a14="http://schemas.microsoft.com/office/drawing/2010/main">
                 <a:solidFill>
                   <a:schemeClr val="accent1"/>
                 </a:solidFill>
               </a14:hiddenFill>
             </a:ext>
-            <a:ext uri="{91240B29-F687-4F45-9708-019B960494DF}">
+            <a:ext uri="{91240B29-F687-4f45-9708-019B960494DF}">
               <a14:hiddenLine xmlns:a14="http://schemas.microsoft.com/office/drawing/2010/main" w="9525">
                 <a:solidFill>
                   <a:schemeClr val="tx1"/>
@@ -39594,7 +39606,7 @@
                 <a:tailEnd/>
               </a14:hiddenLine>
             </a:ext>
-            <a:ext uri="{AF507438-7753-43E0-B8FC-AC1667EBCBE1}">
+            <a:ext uri="{AF507438-7753-43e0-B8FC-AC1667EBCBE1}">
               <a14:hiddenEffects xmlns:a14="http://schemas.microsoft.com/office/drawing/2010/main">
                 <a:effectLst>
                   <a:outerShdw dist="35921" dir="2700000" algn="ctr" rotWithShape="0">
@@ -39641,14 +39653,14 @@
           </a:ln>
           <a:effectLst/>
           <a:extLst>
-            <a:ext uri="{909E8E84-426E-40DD-AFC4-6F175D3DCCD1}">
+            <a:ext uri="{909E8E84-426E-40dd-AFC4-6F175D3DCCD1}">
               <a14:hiddenFill xmlns:a14="http://schemas.microsoft.com/office/drawing/2010/main">
                 <a:solidFill>
                   <a:schemeClr val="accent1"/>
                 </a:solidFill>
               </a14:hiddenFill>
             </a:ext>
-            <a:ext uri="{91240B29-F687-4F45-9708-019B960494DF}">
+            <a:ext uri="{91240B29-F687-4f45-9708-019B960494DF}">
               <a14:hiddenLine xmlns:a14="http://schemas.microsoft.com/office/drawing/2010/main" w="9525">
                 <a:solidFill>
                   <a:schemeClr val="tx1"/>
@@ -39658,7 +39670,7 @@
                 <a:tailEnd/>
               </a14:hiddenLine>
             </a:ext>
-            <a:ext uri="{AF507438-7753-43E0-B8FC-AC1667EBCBE1}">
+            <a:ext uri="{AF507438-7753-43e0-B8FC-AC1667EBCBE1}">
               <a14:hiddenEffects xmlns:a14="http://schemas.microsoft.com/office/drawing/2010/main">
                 <a:effectLst>
                   <a:outerShdw dist="35921" dir="2700000" algn="ctr" rotWithShape="0">
@@ -39803,7 +39815,7 @@
   <p:timing>
     <p:tnLst>
       <p:par>
-        <p:cTn id="1" dur="indefinite" restart="never" nodeType="tmRoot"/>
+        <p:cTn xmlns:p14="http://schemas.microsoft.com/office/powerpoint/2010/main" id="1" dur="indefinite" restart="never" nodeType="tmRoot"/>
       </p:par>
     </p:tnLst>
   </p:timing>
